--- a/presentation/simulacao-buffer.pptx
+++ b/presentation/simulacao-buffer.pptx
@@ -8,7 +8,7 @@
     <p:notesMasterId r:id="rId3"/>
   </p:notesMasterIdLst>
   <p:sldIdLst>
-    <p:sldId id="257" r:id="rId2"/>
+    <p:sldId id="258" r:id="rId2"/>
   </p:sldIdLst>
   <p:sldSz cx="5400675" cy="7200900"/>
   <p:notesSz cx="6858000" cy="9144000"/>
@@ -193,7 +193,7 @@
             <a:fld id="{6D526BCE-9BBC-4F24-93FD-BBB339ED498A}" type="datetimeFigureOut">
               <a:rPr lang="pt-BR" smtClean="0"/>
               <a:pPr/>
-              <a:t>09/04/2022</a:t>
+              <a:t>10/04/2022</a:t>
             </a:fld>
             <a:endParaRPr lang="pt-BR"/>
           </a:p>
@@ -723,7 +723,7 @@
             <a:fld id="{15ED354D-AA56-4B1F-A1D8-6F343D2F9B01}" type="datetimeFigureOut">
               <a:rPr lang="pt-BR" smtClean="0"/>
               <a:pPr/>
-              <a:t>09/04/2022</a:t>
+              <a:t>10/04/2022</a:t>
             </a:fld>
             <a:endParaRPr lang="pt-BR"/>
           </a:p>
@@ -890,7 +890,7 @@
             <a:fld id="{15ED354D-AA56-4B1F-A1D8-6F343D2F9B01}" type="datetimeFigureOut">
               <a:rPr lang="pt-BR" smtClean="0"/>
               <a:pPr/>
-              <a:t>09/04/2022</a:t>
+              <a:t>10/04/2022</a:t>
             </a:fld>
             <a:endParaRPr lang="pt-BR"/>
           </a:p>
@@ -1067,7 +1067,7 @@
             <a:fld id="{15ED354D-AA56-4B1F-A1D8-6F343D2F9B01}" type="datetimeFigureOut">
               <a:rPr lang="pt-BR" smtClean="0"/>
               <a:pPr/>
-              <a:t>09/04/2022</a:t>
+              <a:t>10/04/2022</a:t>
             </a:fld>
             <a:endParaRPr lang="pt-BR"/>
           </a:p>
@@ -1234,7 +1234,7 @@
             <a:fld id="{15ED354D-AA56-4B1F-A1D8-6F343D2F9B01}" type="datetimeFigureOut">
               <a:rPr lang="pt-BR" smtClean="0"/>
               <a:pPr/>
-              <a:t>09/04/2022</a:t>
+              <a:t>10/04/2022</a:t>
             </a:fld>
             <a:endParaRPr lang="pt-BR"/>
           </a:p>
@@ -1477,7 +1477,7 @@
             <a:fld id="{15ED354D-AA56-4B1F-A1D8-6F343D2F9B01}" type="datetimeFigureOut">
               <a:rPr lang="pt-BR" smtClean="0"/>
               <a:pPr/>
-              <a:t>09/04/2022</a:t>
+              <a:t>10/04/2022</a:t>
             </a:fld>
             <a:endParaRPr lang="pt-BR"/>
           </a:p>
@@ -1762,7 +1762,7 @@
             <a:fld id="{15ED354D-AA56-4B1F-A1D8-6F343D2F9B01}" type="datetimeFigureOut">
               <a:rPr lang="pt-BR" smtClean="0"/>
               <a:pPr/>
-              <a:t>09/04/2022</a:t>
+              <a:t>10/04/2022</a:t>
             </a:fld>
             <a:endParaRPr lang="pt-BR"/>
           </a:p>
@@ -2181,7 +2181,7 @@
             <a:fld id="{15ED354D-AA56-4B1F-A1D8-6F343D2F9B01}" type="datetimeFigureOut">
               <a:rPr lang="pt-BR" smtClean="0"/>
               <a:pPr/>
-              <a:t>09/04/2022</a:t>
+              <a:t>10/04/2022</a:t>
             </a:fld>
             <a:endParaRPr lang="pt-BR"/>
           </a:p>
@@ -2296,7 +2296,7 @@
             <a:fld id="{15ED354D-AA56-4B1F-A1D8-6F343D2F9B01}" type="datetimeFigureOut">
               <a:rPr lang="pt-BR" smtClean="0"/>
               <a:pPr/>
-              <a:t>09/04/2022</a:t>
+              <a:t>10/04/2022</a:t>
             </a:fld>
             <a:endParaRPr lang="pt-BR"/>
           </a:p>
@@ -2388,7 +2388,7 @@
             <a:fld id="{15ED354D-AA56-4B1F-A1D8-6F343D2F9B01}" type="datetimeFigureOut">
               <a:rPr lang="pt-BR" smtClean="0"/>
               <a:pPr/>
-              <a:t>09/04/2022</a:t>
+              <a:t>10/04/2022</a:t>
             </a:fld>
             <a:endParaRPr lang="pt-BR"/>
           </a:p>
@@ -2662,7 +2662,7 @@
             <a:fld id="{15ED354D-AA56-4B1F-A1D8-6F343D2F9B01}" type="datetimeFigureOut">
               <a:rPr lang="pt-BR" smtClean="0"/>
               <a:pPr/>
-              <a:t>09/04/2022</a:t>
+              <a:t>10/04/2022</a:t>
             </a:fld>
             <a:endParaRPr lang="pt-BR"/>
           </a:p>
@@ -2912,7 +2912,7 @@
             <a:fld id="{15ED354D-AA56-4B1F-A1D8-6F343D2F9B01}" type="datetimeFigureOut">
               <a:rPr lang="pt-BR" smtClean="0"/>
               <a:pPr/>
-              <a:t>09/04/2022</a:t>
+              <a:t>10/04/2022</a:t>
             </a:fld>
             <a:endParaRPr lang="pt-BR"/>
           </a:p>
@@ -3125,7 +3125,7 @@
             <a:fld id="{15ED354D-AA56-4B1F-A1D8-6F343D2F9B01}" type="datetimeFigureOut">
               <a:rPr lang="pt-BR" smtClean="0"/>
               <a:pPr/>
-              <a:t>09/04/2022</a:t>
+              <a:t>10/04/2022</a:t>
             </a:fld>
             <a:endParaRPr lang="pt-BR"/>
           </a:p>
@@ -3508,7 +3508,7 @@
       </p:grpSpPr>
       <p:pic>
         <p:nvPicPr>
-          <p:cNvPr id="2051" name="Picture 3" descr="C:\Users\Ricardo\Documents\R-Projetos\Exploratory-Data-Analysis-Bancarization\img\simulacao_buffer.png"/>
+          <p:cNvPr id="1026" name="Picture 2" descr="C:\Users\Ricardo\Documents\R-Projetos\Exploratory-Data-Analysis-Bancarization\img\simulacao_buffer.png"/>
           <p:cNvPicPr>
             <a:picLocks noChangeAspect="1" noChangeArrowheads="1"/>
           </p:cNvPicPr>
@@ -3516,14 +3516,14 @@
         </p:nvPicPr>
         <p:blipFill>
           <a:blip r:embed="rId3" cstate="print"/>
-          <a:srcRect l="3588" t="3679" r="3111" b="3525"/>
+          <a:srcRect l="3588" t="3694" r="3127" b="3524"/>
           <a:stretch>
             <a:fillRect/>
           </a:stretch>
         </p:blipFill>
         <p:spPr bwMode="auto">
           <a:xfrm>
-            <a:off x="458150" y="1296194"/>
+            <a:off x="468089" y="1296194"/>
             <a:ext cx="3744416" cy="5688632"/>
           </a:xfrm>
           <a:prstGeom prst="rect">
@@ -3624,33 +3624,7 @@
                 <a:latin typeface="Roboto Light" pitchFamily="2" charset="0"/>
                 <a:ea typeface="Roboto Light" pitchFamily="2" charset="0"/>
               </a:rPr>
-              <a:t>Simulando uma População para Análise em Zona de Influ</a:t>
-            </a:r>
-            <a:r>
-              <a:rPr lang="pt-BR" sz="900" dirty="0" smtClean="0">
-                <a:solidFill>
-                  <a:schemeClr val="tx1">
-                    <a:lumMod val="85000"/>
-                    <a:lumOff val="15000"/>
-                  </a:schemeClr>
-                </a:solidFill>
-                <a:latin typeface="Roboto Light" pitchFamily="2" charset="0"/>
-                <a:ea typeface="Roboto Light" pitchFamily="2" charset="0"/>
-              </a:rPr>
-              <a:t>ência</a:t>
-            </a:r>
-            <a:r>
-              <a:rPr lang="pt-BR" sz="900" dirty="0" smtClean="0">
-                <a:solidFill>
-                  <a:schemeClr val="tx1">
-                    <a:lumMod val="85000"/>
-                    <a:lumOff val="15000"/>
-                  </a:schemeClr>
-                </a:solidFill>
-                <a:latin typeface="Roboto Light" pitchFamily="2" charset="0"/>
-                <a:ea typeface="Roboto Light" pitchFamily="2" charset="0"/>
-              </a:rPr>
-              <a:t>.</a:t>
+              <a:t>Simulando uma População para Análise em Zona de Influência.</a:t>
             </a:r>
             <a:endParaRPr lang="pt-BR" sz="900" dirty="0">
               <a:solidFill>
@@ -3918,20 +3892,7 @@
                 <a:latin typeface="Roboto Light" pitchFamily="2" charset="0"/>
                 <a:ea typeface="Roboto Light" pitchFamily="2" charset="0"/>
               </a:rPr>
-              <a:t>https</a:t>
-            </a:r>
-            <a:r>
-              <a:rPr lang="pt-BR" sz="500" u="sng" dirty="0" smtClean="0">
-                <a:solidFill>
-                  <a:schemeClr val="tx1">
-                    <a:lumMod val="85000"/>
-                    <a:lumOff val="15000"/>
-                  </a:schemeClr>
-                </a:solidFill>
-                <a:latin typeface="Roboto Light" pitchFamily="2" charset="0"/>
-                <a:ea typeface="Roboto Light" pitchFamily="2" charset="0"/>
-              </a:rPr>
-              <a:t>://dadosabertos.bcb.gov.br/dataset/agencias</a:t>
+              <a:t>https://dadosabertos.bcb.gov.br/dataset/agencias</a:t>
             </a:r>
             <a:endParaRPr lang="pt-BR" sz="500" u="sng" dirty="0">
               <a:solidFill>
@@ -4185,20 +4146,7 @@
                 <a:latin typeface="Roboto Light" pitchFamily="2" charset="0"/>
                 <a:ea typeface="Roboto Light" pitchFamily="2" charset="0"/>
               </a:rPr>
-              <a:t>À partir da localização das agências (pontos azuis), construiu-se uma zona de influência de 500m de raio (área contornada de cinza escuro ao redor dos pontos azuis),  a fim de identificar indivíduos com mais proximidade das mesmas. Para isso realizou-se a simulação de uma população fictícia de 8.969 indivíduos (pontos vermelhos). Observa-se os pontos em vermelho mais forte localizados dentr</a:t>
-            </a:r>
-            <a:r>
-              <a:rPr lang="pt-BR" sz="500" dirty="0" smtClean="0">
-                <a:solidFill>
-                  <a:schemeClr val="tx1">
-                    <a:lumMod val="85000"/>
-                    <a:lumOff val="15000"/>
-                  </a:schemeClr>
-                </a:solidFill>
-                <a:latin typeface="Roboto Light" pitchFamily="2" charset="0"/>
-                <a:ea typeface="Roboto Light" pitchFamily="2" charset="0"/>
-              </a:rPr>
-              <a:t>o da zona das agências, enquanto os pontos em vermelho mais fraco estão mais longe.</a:t>
+              <a:t>À partir da localização das agências (pontos azuis), construiu-se uma zona de influência de 500m de raio (área contornada de cinza escuro ao redor dos pontos azuis),  a fim de identificar indivíduos com mais proximidade das mesmas. Para isso realizou-se a simulação de uma população fictícia de 8.969 indivíduos (pontos vermelhos). Observa-se os pontos em vermelho mais forte localizados dentro da zona das agências, enquanto os pontos em vermelho mais fraco estão mais longe.</a:t>
             </a:r>
             <a:endParaRPr lang="pt-BR" sz="500" dirty="0">
               <a:solidFill>
@@ -4215,7 +4163,7 @@
       </p:sp>
       <p:grpSp>
         <p:nvGrpSpPr>
-          <p:cNvPr id="70" name="Grupo 69"/>
+          <p:cNvPr id="2" name="Grupo 69"/>
           <p:cNvGrpSpPr/>
           <p:nvPr/>
         </p:nvGrpSpPr>

--- a/presentation/simulacao-buffer.pptx
+++ b/presentation/simulacao-buffer.pptx
@@ -10,14 +10,14 @@
   <p:sldIdLst>
     <p:sldId id="258" r:id="rId2"/>
   </p:sldIdLst>
-  <p:sldSz cx="5400675" cy="7200900"/>
+  <p:sldSz cx="6859588" cy="9145588"/>
   <p:notesSz cx="6858000" cy="9144000"/>
   <p:defaultTextStyle>
     <a:defPPr>
       <a:defRPr lang="pt-BR"/>
     </a:defPPr>
-    <a:lvl1pPr marL="0" algn="l" defTabSz="914400" rtl="0" eaLnBrk="1" latinLnBrk="0" hangingPunct="1">
-      <a:defRPr sz="1800" kern="1200">
+    <a:lvl1pPr marL="0" algn="l" defTabSz="1175644" rtl="0" eaLnBrk="1" latinLnBrk="0" hangingPunct="1">
+      <a:defRPr sz="2300" kern="1200">
         <a:solidFill>
           <a:schemeClr val="tx1"/>
         </a:solidFill>
@@ -26,8 +26,8 @@
         <a:cs typeface="+mn-cs"/>
       </a:defRPr>
     </a:lvl1pPr>
-    <a:lvl2pPr marL="457200" algn="l" defTabSz="914400" rtl="0" eaLnBrk="1" latinLnBrk="0" hangingPunct="1">
-      <a:defRPr sz="1800" kern="1200">
+    <a:lvl2pPr marL="587822" algn="l" defTabSz="1175644" rtl="0" eaLnBrk="1" latinLnBrk="0" hangingPunct="1">
+      <a:defRPr sz="2300" kern="1200">
         <a:solidFill>
           <a:schemeClr val="tx1"/>
         </a:solidFill>
@@ -36,8 +36,8 @@
         <a:cs typeface="+mn-cs"/>
       </a:defRPr>
     </a:lvl2pPr>
-    <a:lvl3pPr marL="914400" algn="l" defTabSz="914400" rtl="0" eaLnBrk="1" latinLnBrk="0" hangingPunct="1">
-      <a:defRPr sz="1800" kern="1200">
+    <a:lvl3pPr marL="1175644" algn="l" defTabSz="1175644" rtl="0" eaLnBrk="1" latinLnBrk="0" hangingPunct="1">
+      <a:defRPr sz="2300" kern="1200">
         <a:solidFill>
           <a:schemeClr val="tx1"/>
         </a:solidFill>
@@ -46,8 +46,8 @@
         <a:cs typeface="+mn-cs"/>
       </a:defRPr>
     </a:lvl3pPr>
-    <a:lvl4pPr marL="1371600" algn="l" defTabSz="914400" rtl="0" eaLnBrk="1" latinLnBrk="0" hangingPunct="1">
-      <a:defRPr sz="1800" kern="1200">
+    <a:lvl4pPr marL="1763466" algn="l" defTabSz="1175644" rtl="0" eaLnBrk="1" latinLnBrk="0" hangingPunct="1">
+      <a:defRPr sz="2300" kern="1200">
         <a:solidFill>
           <a:schemeClr val="tx1"/>
         </a:solidFill>
@@ -56,8 +56,8 @@
         <a:cs typeface="+mn-cs"/>
       </a:defRPr>
     </a:lvl4pPr>
-    <a:lvl5pPr marL="1828800" algn="l" defTabSz="914400" rtl="0" eaLnBrk="1" latinLnBrk="0" hangingPunct="1">
-      <a:defRPr sz="1800" kern="1200">
+    <a:lvl5pPr marL="2351288" algn="l" defTabSz="1175644" rtl="0" eaLnBrk="1" latinLnBrk="0" hangingPunct="1">
+      <a:defRPr sz="2300" kern="1200">
         <a:solidFill>
           <a:schemeClr val="tx1"/>
         </a:solidFill>
@@ -66,8 +66,8 @@
         <a:cs typeface="+mn-cs"/>
       </a:defRPr>
     </a:lvl5pPr>
-    <a:lvl6pPr marL="2286000" algn="l" defTabSz="914400" rtl="0" eaLnBrk="1" latinLnBrk="0" hangingPunct="1">
-      <a:defRPr sz="1800" kern="1200">
+    <a:lvl6pPr marL="2939110" algn="l" defTabSz="1175644" rtl="0" eaLnBrk="1" latinLnBrk="0" hangingPunct="1">
+      <a:defRPr sz="2300" kern="1200">
         <a:solidFill>
           <a:schemeClr val="tx1"/>
         </a:solidFill>
@@ -76,8 +76,8 @@
         <a:cs typeface="+mn-cs"/>
       </a:defRPr>
     </a:lvl6pPr>
-    <a:lvl7pPr marL="2743200" algn="l" defTabSz="914400" rtl="0" eaLnBrk="1" latinLnBrk="0" hangingPunct="1">
-      <a:defRPr sz="1800" kern="1200">
+    <a:lvl7pPr marL="3526932" algn="l" defTabSz="1175644" rtl="0" eaLnBrk="1" latinLnBrk="0" hangingPunct="1">
+      <a:defRPr sz="2300" kern="1200">
         <a:solidFill>
           <a:schemeClr val="tx1"/>
         </a:solidFill>
@@ -86,8 +86,8 @@
         <a:cs typeface="+mn-cs"/>
       </a:defRPr>
     </a:lvl7pPr>
-    <a:lvl8pPr marL="3200400" algn="l" defTabSz="914400" rtl="0" eaLnBrk="1" latinLnBrk="0" hangingPunct="1">
-      <a:defRPr sz="1800" kern="1200">
+    <a:lvl8pPr marL="4114754" algn="l" defTabSz="1175644" rtl="0" eaLnBrk="1" latinLnBrk="0" hangingPunct="1">
+      <a:defRPr sz="2300" kern="1200">
         <a:solidFill>
           <a:schemeClr val="tx1"/>
         </a:solidFill>
@@ -96,8 +96,8 @@
         <a:cs typeface="+mn-cs"/>
       </a:defRPr>
     </a:lvl8pPr>
-    <a:lvl9pPr marL="3657600" algn="l" defTabSz="914400" rtl="0" eaLnBrk="1" latinLnBrk="0" hangingPunct="1">
-      <a:defRPr sz="1800" kern="1200">
+    <a:lvl9pPr marL="4702576" algn="l" defTabSz="1175644" rtl="0" eaLnBrk="1" latinLnBrk="0" hangingPunct="1">
+      <a:defRPr sz="2300" kern="1200">
         <a:solidFill>
           <a:schemeClr val="tx1"/>
         </a:solidFill>
@@ -193,7 +193,7 @@
             <a:fld id="{6D526BCE-9BBC-4F24-93FD-BBB339ED498A}" type="datetimeFigureOut">
               <a:rPr lang="pt-BR" smtClean="0"/>
               <a:pPr/>
-              <a:t>10/04/2022</a:t>
+              <a:t>17/05/2022</a:t>
             </a:fld>
             <a:endParaRPr lang="pt-BR"/>
           </a:p>
@@ -365,8 +365,8 @@
   </p:cSld>
   <p:clrMap bg1="lt1" tx1="dk1" bg2="lt2" tx2="dk2" accent1="accent1" accent2="accent2" accent3="accent3" accent4="accent4" accent5="accent5" accent6="accent6" hlink="hlink" folHlink="folHlink"/>
   <p:notesStyle>
-    <a:lvl1pPr marL="0" algn="l" defTabSz="914400" rtl="0" eaLnBrk="1" latinLnBrk="0" hangingPunct="1">
-      <a:defRPr sz="1200" kern="1200">
+    <a:lvl1pPr marL="0" algn="l" defTabSz="1175644" rtl="0" eaLnBrk="1" latinLnBrk="0" hangingPunct="1">
+      <a:defRPr sz="1500" kern="1200">
         <a:solidFill>
           <a:schemeClr val="tx1"/>
         </a:solidFill>
@@ -375,8 +375,8 @@
         <a:cs typeface="+mn-cs"/>
       </a:defRPr>
     </a:lvl1pPr>
-    <a:lvl2pPr marL="457200" algn="l" defTabSz="914400" rtl="0" eaLnBrk="1" latinLnBrk="0" hangingPunct="1">
-      <a:defRPr sz="1200" kern="1200">
+    <a:lvl2pPr marL="587822" algn="l" defTabSz="1175644" rtl="0" eaLnBrk="1" latinLnBrk="0" hangingPunct="1">
+      <a:defRPr sz="1500" kern="1200">
         <a:solidFill>
           <a:schemeClr val="tx1"/>
         </a:solidFill>
@@ -385,8 +385,8 @@
         <a:cs typeface="+mn-cs"/>
       </a:defRPr>
     </a:lvl2pPr>
-    <a:lvl3pPr marL="914400" algn="l" defTabSz="914400" rtl="0" eaLnBrk="1" latinLnBrk="0" hangingPunct="1">
-      <a:defRPr sz="1200" kern="1200">
+    <a:lvl3pPr marL="1175644" algn="l" defTabSz="1175644" rtl="0" eaLnBrk="1" latinLnBrk="0" hangingPunct="1">
+      <a:defRPr sz="1500" kern="1200">
         <a:solidFill>
           <a:schemeClr val="tx1"/>
         </a:solidFill>
@@ -395,8 +395,8 @@
         <a:cs typeface="+mn-cs"/>
       </a:defRPr>
     </a:lvl3pPr>
-    <a:lvl4pPr marL="1371600" algn="l" defTabSz="914400" rtl="0" eaLnBrk="1" latinLnBrk="0" hangingPunct="1">
-      <a:defRPr sz="1200" kern="1200">
+    <a:lvl4pPr marL="1763466" algn="l" defTabSz="1175644" rtl="0" eaLnBrk="1" latinLnBrk="0" hangingPunct="1">
+      <a:defRPr sz="1500" kern="1200">
         <a:solidFill>
           <a:schemeClr val="tx1"/>
         </a:solidFill>
@@ -405,8 +405,8 @@
         <a:cs typeface="+mn-cs"/>
       </a:defRPr>
     </a:lvl4pPr>
-    <a:lvl5pPr marL="1828800" algn="l" defTabSz="914400" rtl="0" eaLnBrk="1" latinLnBrk="0" hangingPunct="1">
-      <a:defRPr sz="1200" kern="1200">
+    <a:lvl5pPr marL="2351288" algn="l" defTabSz="1175644" rtl="0" eaLnBrk="1" latinLnBrk="0" hangingPunct="1">
+      <a:defRPr sz="1500" kern="1200">
         <a:solidFill>
           <a:schemeClr val="tx1"/>
         </a:solidFill>
@@ -415,8 +415,8 @@
         <a:cs typeface="+mn-cs"/>
       </a:defRPr>
     </a:lvl5pPr>
-    <a:lvl6pPr marL="2286000" algn="l" defTabSz="914400" rtl="0" eaLnBrk="1" latinLnBrk="0" hangingPunct="1">
-      <a:defRPr sz="1200" kern="1200">
+    <a:lvl6pPr marL="2939110" algn="l" defTabSz="1175644" rtl="0" eaLnBrk="1" latinLnBrk="0" hangingPunct="1">
+      <a:defRPr sz="1500" kern="1200">
         <a:solidFill>
           <a:schemeClr val="tx1"/>
         </a:solidFill>
@@ -425,8 +425,8 @@
         <a:cs typeface="+mn-cs"/>
       </a:defRPr>
     </a:lvl6pPr>
-    <a:lvl7pPr marL="2743200" algn="l" defTabSz="914400" rtl="0" eaLnBrk="1" latinLnBrk="0" hangingPunct="1">
-      <a:defRPr sz="1200" kern="1200">
+    <a:lvl7pPr marL="3526932" algn="l" defTabSz="1175644" rtl="0" eaLnBrk="1" latinLnBrk="0" hangingPunct="1">
+      <a:defRPr sz="1500" kern="1200">
         <a:solidFill>
           <a:schemeClr val="tx1"/>
         </a:solidFill>
@@ -435,8 +435,8 @@
         <a:cs typeface="+mn-cs"/>
       </a:defRPr>
     </a:lvl7pPr>
-    <a:lvl8pPr marL="3200400" algn="l" defTabSz="914400" rtl="0" eaLnBrk="1" latinLnBrk="0" hangingPunct="1">
-      <a:defRPr sz="1200" kern="1200">
+    <a:lvl8pPr marL="4114754" algn="l" defTabSz="1175644" rtl="0" eaLnBrk="1" latinLnBrk="0" hangingPunct="1">
+      <a:defRPr sz="1500" kern="1200">
         <a:solidFill>
           <a:schemeClr val="tx1"/>
         </a:solidFill>
@@ -445,8 +445,8 @@
         <a:cs typeface="+mn-cs"/>
       </a:defRPr>
     </a:lvl8pPr>
-    <a:lvl9pPr marL="3657600" algn="l" defTabSz="914400" rtl="0" eaLnBrk="1" latinLnBrk="0" hangingPunct="1">
-      <a:defRPr sz="1200" kern="1200">
+    <a:lvl9pPr marL="4702576" algn="l" defTabSz="1175644" rtl="0" eaLnBrk="1" latinLnBrk="0" hangingPunct="1">
+      <a:defRPr sz="1500" kern="1200">
         <a:solidFill>
           <a:schemeClr val="tx1"/>
         </a:solidFill>
@@ -486,7 +486,12 @@
             <p:ph type="sldImg"/>
           </p:nvPr>
         </p:nvSpPr>
-        <p:spPr/>
+        <p:spPr>
+          <a:xfrm>
+            <a:off x="2143125" y="685800"/>
+            <a:ext cx="2571750" cy="3429000"/>
+          </a:xfrm>
+        </p:spPr>
       </p:sp>
       <p:sp>
         <p:nvSpPr>
@@ -570,8 +575,8 @@
         </p:nvSpPr>
         <p:spPr>
           <a:xfrm>
-            <a:off x="405051" y="2236948"/>
-            <a:ext cx="4590574" cy="1543526"/>
+            <a:off x="514473" y="2841062"/>
+            <a:ext cx="5830650" cy="1960374"/>
           </a:xfrm>
         </p:spPr>
         <p:txBody>
@@ -598,8 +603,8 @@
         </p:nvSpPr>
         <p:spPr>
           <a:xfrm>
-            <a:off x="810101" y="4080510"/>
-            <a:ext cx="3780473" cy="1840230"/>
+            <a:off x="1028941" y="5182500"/>
+            <a:ext cx="4801713" cy="2337206"/>
           </a:xfrm>
         </p:spPr>
         <p:txBody>
@@ -615,7 +620,7 @@
                 </a:solidFill>
               </a:defRPr>
             </a:lvl1pPr>
-            <a:lvl2pPr marL="457200" indent="0" algn="ctr">
+            <a:lvl2pPr marL="587822" indent="0" algn="ctr">
               <a:buNone/>
               <a:defRPr>
                 <a:solidFill>
@@ -625,7 +630,7 @@
                 </a:solidFill>
               </a:defRPr>
             </a:lvl2pPr>
-            <a:lvl3pPr marL="914400" indent="0" algn="ctr">
+            <a:lvl3pPr marL="1175644" indent="0" algn="ctr">
               <a:buNone/>
               <a:defRPr>
                 <a:solidFill>
@@ -635,7 +640,7 @@
                 </a:solidFill>
               </a:defRPr>
             </a:lvl3pPr>
-            <a:lvl4pPr marL="1371600" indent="0" algn="ctr">
+            <a:lvl4pPr marL="1763466" indent="0" algn="ctr">
               <a:buNone/>
               <a:defRPr>
                 <a:solidFill>
@@ -645,7 +650,7 @@
                 </a:solidFill>
               </a:defRPr>
             </a:lvl4pPr>
-            <a:lvl5pPr marL="1828800" indent="0" algn="ctr">
+            <a:lvl5pPr marL="2351288" indent="0" algn="ctr">
               <a:buNone/>
               <a:defRPr>
                 <a:solidFill>
@@ -655,7 +660,7 @@
                 </a:solidFill>
               </a:defRPr>
             </a:lvl5pPr>
-            <a:lvl6pPr marL="2286000" indent="0" algn="ctr">
+            <a:lvl6pPr marL="2939110" indent="0" algn="ctr">
               <a:buNone/>
               <a:defRPr>
                 <a:solidFill>
@@ -665,7 +670,7 @@
                 </a:solidFill>
               </a:defRPr>
             </a:lvl6pPr>
-            <a:lvl7pPr marL="2743200" indent="0" algn="ctr">
+            <a:lvl7pPr marL="3526932" indent="0" algn="ctr">
               <a:buNone/>
               <a:defRPr>
                 <a:solidFill>
@@ -675,7 +680,7 @@
                 </a:solidFill>
               </a:defRPr>
             </a:lvl7pPr>
-            <a:lvl8pPr marL="3200400" indent="0" algn="ctr">
+            <a:lvl8pPr marL="4114754" indent="0" algn="ctr">
               <a:buNone/>
               <a:defRPr>
                 <a:solidFill>
@@ -685,7 +690,7 @@
                 </a:solidFill>
               </a:defRPr>
             </a:lvl8pPr>
-            <a:lvl9pPr marL="3657600" indent="0" algn="ctr">
+            <a:lvl9pPr marL="4702576" indent="0" algn="ctr">
               <a:buNone/>
               <a:defRPr>
                 <a:solidFill>
@@ -723,7 +728,7 @@
             <a:fld id="{15ED354D-AA56-4B1F-A1D8-6F343D2F9B01}" type="datetimeFigureOut">
               <a:rPr lang="pt-BR" smtClean="0"/>
               <a:pPr/>
-              <a:t>10/04/2022</a:t>
+              <a:t>17/05/2022</a:t>
             </a:fld>
             <a:endParaRPr lang="pt-BR"/>
           </a:p>
@@ -890,7 +895,7 @@
             <a:fld id="{15ED354D-AA56-4B1F-A1D8-6F343D2F9B01}" type="datetimeFigureOut">
               <a:rPr lang="pt-BR" smtClean="0"/>
               <a:pPr/>
-              <a:t>10/04/2022</a:t>
+              <a:t>17/05/2022</a:t>
             </a:fld>
             <a:endParaRPr lang="pt-BR"/>
           </a:p>
@@ -976,8 +981,8 @@
         </p:nvSpPr>
         <p:spPr>
           <a:xfrm>
-            <a:off x="3915489" y="288373"/>
-            <a:ext cx="1215152" cy="6144101"/>
+            <a:off x="4973201" y="366252"/>
+            <a:ext cx="1543408" cy="7803388"/>
           </a:xfrm>
         </p:spPr>
         <p:txBody>
@@ -1004,8 +1009,8 @@
         </p:nvSpPr>
         <p:spPr>
           <a:xfrm>
-            <a:off x="270034" y="288373"/>
-            <a:ext cx="3555444" cy="6144101"/>
+            <a:off x="342979" y="366252"/>
+            <a:ext cx="4515895" cy="7803388"/>
           </a:xfrm>
         </p:spPr>
         <p:txBody>
@@ -1067,7 +1072,7 @@
             <a:fld id="{15ED354D-AA56-4B1F-A1D8-6F343D2F9B01}" type="datetimeFigureOut">
               <a:rPr lang="pt-BR" smtClean="0"/>
               <a:pPr/>
-              <a:t>10/04/2022</a:t>
+              <a:t>17/05/2022</a:t>
             </a:fld>
             <a:endParaRPr lang="pt-BR"/>
           </a:p>
@@ -1234,7 +1239,7 @@
             <a:fld id="{15ED354D-AA56-4B1F-A1D8-6F343D2F9B01}" type="datetimeFigureOut">
               <a:rPr lang="pt-BR" smtClean="0"/>
               <a:pPr/>
-              <a:t>10/04/2022</a:t>
+              <a:t>17/05/2022</a:t>
             </a:fld>
             <a:endParaRPr lang="pt-BR"/>
           </a:p>
@@ -1320,15 +1325,15 @@
         </p:nvSpPr>
         <p:spPr>
           <a:xfrm>
-            <a:off x="426616" y="4627246"/>
-            <a:ext cx="4590574" cy="1430179"/>
+            <a:off x="541861" y="5876889"/>
+            <a:ext cx="5830650" cy="1816416"/>
           </a:xfrm>
         </p:spPr>
         <p:txBody>
           <a:bodyPr anchor="t"/>
           <a:lstStyle>
             <a:lvl1pPr algn="l">
-              <a:defRPr sz="4000" b="1" cap="all"/>
+              <a:defRPr sz="5100" b="1" cap="all"/>
             </a:lvl1pPr>
           </a:lstStyle>
           <a:p>
@@ -1352,8 +1357,8 @@
         </p:nvSpPr>
         <p:spPr>
           <a:xfrm>
-            <a:off x="426616" y="3052050"/>
-            <a:ext cx="4590574" cy="1575196"/>
+            <a:off x="541861" y="3876293"/>
+            <a:ext cx="5830650" cy="2000596"/>
           </a:xfrm>
         </p:spPr>
         <p:txBody>
@@ -1361,7 +1366,7 @@
           <a:lstStyle>
             <a:lvl1pPr marL="0" indent="0">
               <a:buNone/>
-              <a:defRPr sz="2000">
+              <a:defRPr sz="2600">
                 <a:solidFill>
                   <a:schemeClr val="tx1">
                     <a:tint val="75000"/>
@@ -1369,7 +1374,27 @@
                 </a:solidFill>
               </a:defRPr>
             </a:lvl1pPr>
-            <a:lvl2pPr marL="457200" indent="0">
+            <a:lvl2pPr marL="587822" indent="0">
+              <a:buNone/>
+              <a:defRPr sz="2300">
+                <a:solidFill>
+                  <a:schemeClr val="tx1">
+                    <a:tint val="75000"/>
+                  </a:schemeClr>
+                </a:solidFill>
+              </a:defRPr>
+            </a:lvl2pPr>
+            <a:lvl3pPr marL="1175644" indent="0">
+              <a:buNone/>
+              <a:defRPr sz="2100">
+                <a:solidFill>
+                  <a:schemeClr val="tx1">
+                    <a:tint val="75000"/>
+                  </a:schemeClr>
+                </a:solidFill>
+              </a:defRPr>
+            </a:lvl3pPr>
+            <a:lvl4pPr marL="1763466" indent="0">
               <a:buNone/>
               <a:defRPr sz="1800">
                 <a:solidFill>
@@ -1378,30 +1403,10 @@
                   </a:schemeClr>
                 </a:solidFill>
               </a:defRPr>
-            </a:lvl2pPr>
-            <a:lvl3pPr marL="914400" indent="0">
-              <a:buNone/>
-              <a:defRPr sz="1600">
-                <a:solidFill>
-                  <a:schemeClr val="tx1">
-                    <a:tint val="75000"/>
-                  </a:schemeClr>
-                </a:solidFill>
-              </a:defRPr>
-            </a:lvl3pPr>
-            <a:lvl4pPr marL="1371600" indent="0">
-              <a:buNone/>
-              <a:defRPr sz="1400">
-                <a:solidFill>
-                  <a:schemeClr val="tx1">
-                    <a:tint val="75000"/>
-                  </a:schemeClr>
-                </a:solidFill>
-              </a:defRPr>
             </a:lvl4pPr>
-            <a:lvl5pPr marL="1828800" indent="0">
-              <a:buNone/>
-              <a:defRPr sz="1400">
+            <a:lvl5pPr marL="2351288" indent="0">
+              <a:buNone/>
+              <a:defRPr sz="1800">
                 <a:solidFill>
                   <a:schemeClr val="tx1">
                     <a:tint val="75000"/>
@@ -1409,9 +1414,9 @@
                 </a:solidFill>
               </a:defRPr>
             </a:lvl5pPr>
-            <a:lvl6pPr marL="2286000" indent="0">
-              <a:buNone/>
-              <a:defRPr sz="1400">
+            <a:lvl6pPr marL="2939110" indent="0">
+              <a:buNone/>
+              <a:defRPr sz="1800">
                 <a:solidFill>
                   <a:schemeClr val="tx1">
                     <a:tint val="75000"/>
@@ -1419,9 +1424,9 @@
                 </a:solidFill>
               </a:defRPr>
             </a:lvl6pPr>
-            <a:lvl7pPr marL="2743200" indent="0">
-              <a:buNone/>
-              <a:defRPr sz="1400">
+            <a:lvl7pPr marL="3526932" indent="0">
+              <a:buNone/>
+              <a:defRPr sz="1800">
                 <a:solidFill>
                   <a:schemeClr val="tx1">
                     <a:tint val="75000"/>
@@ -1429,9 +1434,9 @@
                 </a:solidFill>
               </a:defRPr>
             </a:lvl7pPr>
-            <a:lvl8pPr marL="3200400" indent="0">
-              <a:buNone/>
-              <a:defRPr sz="1400">
+            <a:lvl8pPr marL="4114754" indent="0">
+              <a:buNone/>
+              <a:defRPr sz="1800">
                 <a:solidFill>
                   <a:schemeClr val="tx1">
                     <a:tint val="75000"/>
@@ -1439,9 +1444,9 @@
                 </a:solidFill>
               </a:defRPr>
             </a:lvl8pPr>
-            <a:lvl9pPr marL="3657600" indent="0">
-              <a:buNone/>
-              <a:defRPr sz="1400">
+            <a:lvl9pPr marL="4702576" indent="0">
+              <a:buNone/>
+              <a:defRPr sz="1800">
                 <a:solidFill>
                   <a:schemeClr val="tx1">
                     <a:tint val="75000"/>
@@ -1477,7 +1482,7 @@
             <a:fld id="{15ED354D-AA56-4B1F-A1D8-6F343D2F9B01}" type="datetimeFigureOut">
               <a:rPr lang="pt-BR" smtClean="0"/>
               <a:pPr/>
-              <a:t>10/04/2022</a:t>
+              <a:t>17/05/2022</a:t>
             </a:fld>
             <a:endParaRPr lang="pt-BR"/>
           </a:p>
@@ -1586,39 +1591,39 @@
         </p:nvSpPr>
         <p:spPr>
           <a:xfrm>
-            <a:off x="270034" y="1680213"/>
-            <a:ext cx="2385298" cy="4752261"/>
+            <a:off x="342984" y="2133975"/>
+            <a:ext cx="3029651" cy="6035665"/>
           </a:xfrm>
         </p:spPr>
         <p:txBody>
           <a:bodyPr/>
           <a:lstStyle>
             <a:lvl1pPr>
-              <a:defRPr sz="2800"/>
+              <a:defRPr sz="3600"/>
             </a:lvl1pPr>
             <a:lvl2pPr>
-              <a:defRPr sz="2400"/>
+              <a:defRPr sz="3100"/>
             </a:lvl2pPr>
             <a:lvl3pPr>
-              <a:defRPr sz="2000"/>
+              <a:defRPr sz="2600"/>
             </a:lvl3pPr>
             <a:lvl4pPr>
-              <a:defRPr sz="1800"/>
+              <a:defRPr sz="2300"/>
             </a:lvl4pPr>
             <a:lvl5pPr>
-              <a:defRPr sz="1800"/>
+              <a:defRPr sz="2300"/>
             </a:lvl5pPr>
             <a:lvl6pPr>
-              <a:defRPr sz="1800"/>
+              <a:defRPr sz="2300"/>
             </a:lvl6pPr>
             <a:lvl7pPr>
-              <a:defRPr sz="1800"/>
+              <a:defRPr sz="2300"/>
             </a:lvl7pPr>
             <a:lvl8pPr>
-              <a:defRPr sz="1800"/>
+              <a:defRPr sz="2300"/>
             </a:lvl8pPr>
             <a:lvl9pPr>
-              <a:defRPr sz="1800"/>
+              <a:defRPr sz="2300"/>
             </a:lvl9pPr>
           </a:lstStyle>
           <a:p>
@@ -1671,39 +1676,39 @@
         </p:nvSpPr>
         <p:spPr>
           <a:xfrm>
-            <a:off x="2745343" y="1680213"/>
-            <a:ext cx="2385298" cy="4752261"/>
+            <a:off x="3486961" y="2133975"/>
+            <a:ext cx="3029651" cy="6035665"/>
           </a:xfrm>
         </p:spPr>
         <p:txBody>
           <a:bodyPr/>
           <a:lstStyle>
             <a:lvl1pPr>
-              <a:defRPr sz="2800"/>
+              <a:defRPr sz="3600"/>
             </a:lvl1pPr>
             <a:lvl2pPr>
-              <a:defRPr sz="2400"/>
+              <a:defRPr sz="3100"/>
             </a:lvl2pPr>
             <a:lvl3pPr>
-              <a:defRPr sz="2000"/>
+              <a:defRPr sz="2600"/>
             </a:lvl3pPr>
             <a:lvl4pPr>
-              <a:defRPr sz="1800"/>
+              <a:defRPr sz="2300"/>
             </a:lvl4pPr>
             <a:lvl5pPr>
-              <a:defRPr sz="1800"/>
+              <a:defRPr sz="2300"/>
             </a:lvl5pPr>
             <a:lvl6pPr>
-              <a:defRPr sz="1800"/>
+              <a:defRPr sz="2300"/>
             </a:lvl6pPr>
             <a:lvl7pPr>
-              <a:defRPr sz="1800"/>
+              <a:defRPr sz="2300"/>
             </a:lvl7pPr>
             <a:lvl8pPr>
-              <a:defRPr sz="1800"/>
+              <a:defRPr sz="2300"/>
             </a:lvl8pPr>
             <a:lvl9pPr>
-              <a:defRPr sz="1800"/>
+              <a:defRPr sz="2300"/>
             </a:lvl9pPr>
           </a:lstStyle>
           <a:p>
@@ -1762,7 +1767,7 @@
             <a:fld id="{15ED354D-AA56-4B1F-A1D8-6F343D2F9B01}" type="datetimeFigureOut">
               <a:rPr lang="pt-BR" smtClean="0"/>
               <a:pPr/>
-              <a:t>10/04/2022</a:t>
+              <a:t>17/05/2022</a:t>
             </a:fld>
             <a:endParaRPr lang="pt-BR"/>
           </a:p>
@@ -1875,8 +1880,8 @@
         </p:nvSpPr>
         <p:spPr>
           <a:xfrm>
-            <a:off x="270034" y="1611868"/>
-            <a:ext cx="2386236" cy="671750"/>
+            <a:off x="342979" y="2047175"/>
+            <a:ext cx="3030843" cy="853165"/>
           </a:xfrm>
         </p:spPr>
         <p:txBody>
@@ -1884,39 +1889,39 @@
           <a:lstStyle>
             <a:lvl1pPr marL="0" indent="0">
               <a:buNone/>
-              <a:defRPr sz="2400" b="1"/>
+              <a:defRPr sz="3100" b="1"/>
             </a:lvl1pPr>
-            <a:lvl2pPr marL="457200" indent="0">
-              <a:buNone/>
-              <a:defRPr sz="2000" b="1"/>
+            <a:lvl2pPr marL="587822" indent="0">
+              <a:buNone/>
+              <a:defRPr sz="2600" b="1"/>
             </a:lvl2pPr>
-            <a:lvl3pPr marL="914400" indent="0">
-              <a:buNone/>
-              <a:defRPr sz="1800" b="1"/>
+            <a:lvl3pPr marL="1175644" indent="0">
+              <a:buNone/>
+              <a:defRPr sz="2300" b="1"/>
             </a:lvl3pPr>
-            <a:lvl4pPr marL="1371600" indent="0">
-              <a:buNone/>
-              <a:defRPr sz="1600" b="1"/>
+            <a:lvl4pPr marL="1763466" indent="0">
+              <a:buNone/>
+              <a:defRPr sz="2100" b="1"/>
             </a:lvl4pPr>
-            <a:lvl5pPr marL="1828800" indent="0">
-              <a:buNone/>
-              <a:defRPr sz="1600" b="1"/>
+            <a:lvl5pPr marL="2351288" indent="0">
+              <a:buNone/>
+              <a:defRPr sz="2100" b="1"/>
             </a:lvl5pPr>
-            <a:lvl6pPr marL="2286000" indent="0">
-              <a:buNone/>
-              <a:defRPr sz="1600" b="1"/>
+            <a:lvl6pPr marL="2939110" indent="0">
+              <a:buNone/>
+              <a:defRPr sz="2100" b="1"/>
             </a:lvl6pPr>
-            <a:lvl7pPr marL="2743200" indent="0">
-              <a:buNone/>
-              <a:defRPr sz="1600" b="1"/>
+            <a:lvl7pPr marL="3526932" indent="0">
+              <a:buNone/>
+              <a:defRPr sz="2100" b="1"/>
             </a:lvl7pPr>
-            <a:lvl8pPr marL="3200400" indent="0">
-              <a:buNone/>
-              <a:defRPr sz="1600" b="1"/>
+            <a:lvl8pPr marL="4114754" indent="0">
+              <a:buNone/>
+              <a:defRPr sz="2100" b="1"/>
             </a:lvl8pPr>
-            <a:lvl9pPr marL="3657600" indent="0">
-              <a:buNone/>
-              <a:defRPr sz="1600" b="1"/>
+            <a:lvl9pPr marL="4702576" indent="0">
+              <a:buNone/>
+              <a:defRPr sz="2100" b="1"/>
             </a:lvl9pPr>
           </a:lstStyle>
           <a:p>
@@ -1940,39 +1945,39 @@
         </p:nvSpPr>
         <p:spPr>
           <a:xfrm>
-            <a:off x="270034" y="2283619"/>
-            <a:ext cx="2386236" cy="4148852"/>
+            <a:off x="342979" y="2900338"/>
+            <a:ext cx="3030843" cy="5269298"/>
           </a:xfrm>
         </p:spPr>
         <p:txBody>
           <a:bodyPr/>
           <a:lstStyle>
             <a:lvl1pPr>
-              <a:defRPr sz="2400"/>
+              <a:defRPr sz="3100"/>
             </a:lvl1pPr>
             <a:lvl2pPr>
-              <a:defRPr sz="2000"/>
+              <a:defRPr sz="2600"/>
             </a:lvl2pPr>
             <a:lvl3pPr>
-              <a:defRPr sz="1800"/>
+              <a:defRPr sz="2300"/>
             </a:lvl3pPr>
             <a:lvl4pPr>
-              <a:defRPr sz="1600"/>
+              <a:defRPr sz="2100"/>
             </a:lvl4pPr>
             <a:lvl5pPr>
-              <a:defRPr sz="1600"/>
+              <a:defRPr sz="2100"/>
             </a:lvl5pPr>
             <a:lvl6pPr>
-              <a:defRPr sz="1600"/>
+              <a:defRPr sz="2100"/>
             </a:lvl6pPr>
             <a:lvl7pPr>
-              <a:defRPr sz="1600"/>
+              <a:defRPr sz="2100"/>
             </a:lvl7pPr>
             <a:lvl8pPr>
-              <a:defRPr sz="1600"/>
+              <a:defRPr sz="2100"/>
             </a:lvl8pPr>
             <a:lvl9pPr>
-              <a:defRPr sz="1600"/>
+              <a:defRPr sz="2100"/>
             </a:lvl9pPr>
           </a:lstStyle>
           <a:p>
@@ -2025,8 +2030,8 @@
         </p:nvSpPr>
         <p:spPr>
           <a:xfrm>
-            <a:off x="2743471" y="1611868"/>
-            <a:ext cx="2387173" cy="671750"/>
+            <a:off x="3484584" y="2047175"/>
+            <a:ext cx="3032032" cy="853165"/>
           </a:xfrm>
         </p:spPr>
         <p:txBody>
@@ -2034,39 +2039,39 @@
           <a:lstStyle>
             <a:lvl1pPr marL="0" indent="0">
               <a:buNone/>
-              <a:defRPr sz="2400" b="1"/>
+              <a:defRPr sz="3100" b="1"/>
             </a:lvl1pPr>
-            <a:lvl2pPr marL="457200" indent="0">
-              <a:buNone/>
-              <a:defRPr sz="2000" b="1"/>
+            <a:lvl2pPr marL="587822" indent="0">
+              <a:buNone/>
+              <a:defRPr sz="2600" b="1"/>
             </a:lvl2pPr>
-            <a:lvl3pPr marL="914400" indent="0">
-              <a:buNone/>
-              <a:defRPr sz="1800" b="1"/>
+            <a:lvl3pPr marL="1175644" indent="0">
+              <a:buNone/>
+              <a:defRPr sz="2300" b="1"/>
             </a:lvl3pPr>
-            <a:lvl4pPr marL="1371600" indent="0">
-              <a:buNone/>
-              <a:defRPr sz="1600" b="1"/>
+            <a:lvl4pPr marL="1763466" indent="0">
+              <a:buNone/>
+              <a:defRPr sz="2100" b="1"/>
             </a:lvl4pPr>
-            <a:lvl5pPr marL="1828800" indent="0">
-              <a:buNone/>
-              <a:defRPr sz="1600" b="1"/>
+            <a:lvl5pPr marL="2351288" indent="0">
+              <a:buNone/>
+              <a:defRPr sz="2100" b="1"/>
             </a:lvl5pPr>
-            <a:lvl6pPr marL="2286000" indent="0">
-              <a:buNone/>
-              <a:defRPr sz="1600" b="1"/>
+            <a:lvl6pPr marL="2939110" indent="0">
+              <a:buNone/>
+              <a:defRPr sz="2100" b="1"/>
             </a:lvl6pPr>
-            <a:lvl7pPr marL="2743200" indent="0">
-              <a:buNone/>
-              <a:defRPr sz="1600" b="1"/>
+            <a:lvl7pPr marL="3526932" indent="0">
+              <a:buNone/>
+              <a:defRPr sz="2100" b="1"/>
             </a:lvl7pPr>
-            <a:lvl8pPr marL="3200400" indent="0">
-              <a:buNone/>
-              <a:defRPr sz="1600" b="1"/>
+            <a:lvl8pPr marL="4114754" indent="0">
+              <a:buNone/>
+              <a:defRPr sz="2100" b="1"/>
             </a:lvl8pPr>
-            <a:lvl9pPr marL="3657600" indent="0">
-              <a:buNone/>
-              <a:defRPr sz="1600" b="1"/>
+            <a:lvl9pPr marL="4702576" indent="0">
+              <a:buNone/>
+              <a:defRPr sz="2100" b="1"/>
             </a:lvl9pPr>
           </a:lstStyle>
           <a:p>
@@ -2090,39 +2095,39 @@
         </p:nvSpPr>
         <p:spPr>
           <a:xfrm>
-            <a:off x="2743471" y="2283619"/>
-            <a:ext cx="2387173" cy="4148852"/>
+            <a:off x="3484584" y="2900338"/>
+            <a:ext cx="3032032" cy="5269298"/>
           </a:xfrm>
         </p:spPr>
         <p:txBody>
           <a:bodyPr/>
           <a:lstStyle>
             <a:lvl1pPr>
-              <a:defRPr sz="2400"/>
+              <a:defRPr sz="3100"/>
             </a:lvl1pPr>
             <a:lvl2pPr>
-              <a:defRPr sz="2000"/>
+              <a:defRPr sz="2600"/>
             </a:lvl2pPr>
             <a:lvl3pPr>
-              <a:defRPr sz="1800"/>
+              <a:defRPr sz="2300"/>
             </a:lvl3pPr>
             <a:lvl4pPr>
-              <a:defRPr sz="1600"/>
+              <a:defRPr sz="2100"/>
             </a:lvl4pPr>
             <a:lvl5pPr>
-              <a:defRPr sz="1600"/>
+              <a:defRPr sz="2100"/>
             </a:lvl5pPr>
             <a:lvl6pPr>
-              <a:defRPr sz="1600"/>
+              <a:defRPr sz="2100"/>
             </a:lvl6pPr>
             <a:lvl7pPr>
-              <a:defRPr sz="1600"/>
+              <a:defRPr sz="2100"/>
             </a:lvl7pPr>
             <a:lvl8pPr>
-              <a:defRPr sz="1600"/>
+              <a:defRPr sz="2100"/>
             </a:lvl8pPr>
             <a:lvl9pPr>
-              <a:defRPr sz="1600"/>
+              <a:defRPr sz="2100"/>
             </a:lvl9pPr>
           </a:lstStyle>
           <a:p>
@@ -2181,7 +2186,7 @@
             <a:fld id="{15ED354D-AA56-4B1F-A1D8-6F343D2F9B01}" type="datetimeFigureOut">
               <a:rPr lang="pt-BR" smtClean="0"/>
               <a:pPr/>
-              <a:t>10/04/2022</a:t>
+              <a:t>17/05/2022</a:t>
             </a:fld>
             <a:endParaRPr lang="pt-BR"/>
           </a:p>
@@ -2296,7 +2301,7 @@
             <a:fld id="{15ED354D-AA56-4B1F-A1D8-6F343D2F9B01}" type="datetimeFigureOut">
               <a:rPr lang="pt-BR" smtClean="0"/>
               <a:pPr/>
-              <a:t>10/04/2022</a:t>
+              <a:t>17/05/2022</a:t>
             </a:fld>
             <a:endParaRPr lang="pt-BR"/>
           </a:p>
@@ -2388,7 +2393,7 @@
             <a:fld id="{15ED354D-AA56-4B1F-A1D8-6F343D2F9B01}" type="datetimeFigureOut">
               <a:rPr lang="pt-BR" smtClean="0"/>
               <a:pPr/>
-              <a:t>10/04/2022</a:t>
+              <a:t>17/05/2022</a:t>
             </a:fld>
             <a:endParaRPr lang="pt-BR"/>
           </a:p>
@@ -2474,15 +2479,15 @@
         </p:nvSpPr>
         <p:spPr>
           <a:xfrm>
-            <a:off x="270037" y="286705"/>
-            <a:ext cx="1776785" cy="1220153"/>
+            <a:off x="342984" y="364138"/>
+            <a:ext cx="2256758" cy="1549669"/>
           </a:xfrm>
         </p:spPr>
         <p:txBody>
           <a:bodyPr anchor="b"/>
           <a:lstStyle>
             <a:lvl1pPr algn="l">
-              <a:defRPr sz="2000" b="1"/>
+              <a:defRPr sz="2600" b="1"/>
             </a:lvl1pPr>
           </a:lstStyle>
           <a:p>
@@ -2506,39 +2511,39 @@
         </p:nvSpPr>
         <p:spPr>
           <a:xfrm>
-            <a:off x="2111516" y="286705"/>
-            <a:ext cx="3019128" cy="6145769"/>
+            <a:off x="2681911" y="364134"/>
+            <a:ext cx="3834701" cy="7805506"/>
           </a:xfrm>
         </p:spPr>
         <p:txBody>
           <a:bodyPr/>
           <a:lstStyle>
             <a:lvl1pPr>
-              <a:defRPr sz="3200"/>
+              <a:defRPr sz="4100"/>
             </a:lvl1pPr>
             <a:lvl2pPr>
-              <a:defRPr sz="2800"/>
+              <a:defRPr sz="3600"/>
             </a:lvl2pPr>
             <a:lvl3pPr>
-              <a:defRPr sz="2400"/>
+              <a:defRPr sz="3100"/>
             </a:lvl3pPr>
             <a:lvl4pPr>
-              <a:defRPr sz="2000"/>
+              <a:defRPr sz="2600"/>
             </a:lvl4pPr>
             <a:lvl5pPr>
-              <a:defRPr sz="2000"/>
+              <a:defRPr sz="2600"/>
             </a:lvl5pPr>
             <a:lvl6pPr>
-              <a:defRPr sz="2000"/>
+              <a:defRPr sz="2600"/>
             </a:lvl6pPr>
             <a:lvl7pPr>
-              <a:defRPr sz="2000"/>
+              <a:defRPr sz="2600"/>
             </a:lvl7pPr>
             <a:lvl8pPr>
-              <a:defRPr sz="2000"/>
+              <a:defRPr sz="2600"/>
             </a:lvl8pPr>
             <a:lvl9pPr>
-              <a:defRPr sz="2000"/>
+              <a:defRPr sz="2600"/>
             </a:lvl9pPr>
           </a:lstStyle>
           <a:p>
@@ -2591,8 +2596,8 @@
         </p:nvSpPr>
         <p:spPr>
           <a:xfrm>
-            <a:off x="270037" y="1506856"/>
-            <a:ext cx="1776785" cy="4925616"/>
+            <a:off x="342984" y="1913800"/>
+            <a:ext cx="2256758" cy="6255837"/>
           </a:xfrm>
         </p:spPr>
         <p:txBody>
@@ -2600,39 +2605,39 @@
           <a:lstStyle>
             <a:lvl1pPr marL="0" indent="0">
               <a:buNone/>
-              <a:defRPr sz="1400"/>
+              <a:defRPr sz="1800"/>
             </a:lvl1pPr>
-            <a:lvl2pPr marL="457200" indent="0">
+            <a:lvl2pPr marL="587822" indent="0">
+              <a:buNone/>
+              <a:defRPr sz="1500"/>
+            </a:lvl2pPr>
+            <a:lvl3pPr marL="1175644" indent="0">
+              <a:buNone/>
+              <a:defRPr sz="1300"/>
+            </a:lvl3pPr>
+            <a:lvl4pPr marL="1763466" indent="0">
               <a:buNone/>
               <a:defRPr sz="1200"/>
-            </a:lvl2pPr>
-            <a:lvl3pPr marL="914400" indent="0">
-              <a:buNone/>
-              <a:defRPr sz="1000"/>
-            </a:lvl3pPr>
-            <a:lvl4pPr marL="1371600" indent="0">
-              <a:buNone/>
-              <a:defRPr sz="900"/>
             </a:lvl4pPr>
-            <a:lvl5pPr marL="1828800" indent="0">
-              <a:buNone/>
-              <a:defRPr sz="900"/>
+            <a:lvl5pPr marL="2351288" indent="0">
+              <a:buNone/>
+              <a:defRPr sz="1200"/>
             </a:lvl5pPr>
-            <a:lvl6pPr marL="2286000" indent="0">
-              <a:buNone/>
-              <a:defRPr sz="900"/>
+            <a:lvl6pPr marL="2939110" indent="0">
+              <a:buNone/>
+              <a:defRPr sz="1200"/>
             </a:lvl6pPr>
-            <a:lvl7pPr marL="2743200" indent="0">
-              <a:buNone/>
-              <a:defRPr sz="900"/>
+            <a:lvl7pPr marL="3526932" indent="0">
+              <a:buNone/>
+              <a:defRPr sz="1200"/>
             </a:lvl7pPr>
-            <a:lvl8pPr marL="3200400" indent="0">
-              <a:buNone/>
-              <a:defRPr sz="900"/>
+            <a:lvl8pPr marL="4114754" indent="0">
+              <a:buNone/>
+              <a:defRPr sz="1200"/>
             </a:lvl8pPr>
-            <a:lvl9pPr marL="3657600" indent="0">
-              <a:buNone/>
-              <a:defRPr sz="900"/>
+            <a:lvl9pPr marL="4702576" indent="0">
+              <a:buNone/>
+              <a:defRPr sz="1200"/>
             </a:lvl9pPr>
           </a:lstStyle>
           <a:p>
@@ -2662,7 +2667,7 @@
             <a:fld id="{15ED354D-AA56-4B1F-A1D8-6F343D2F9B01}" type="datetimeFigureOut">
               <a:rPr lang="pt-BR" smtClean="0"/>
               <a:pPr/>
-              <a:t>10/04/2022</a:t>
+              <a:t>17/05/2022</a:t>
             </a:fld>
             <a:endParaRPr lang="pt-BR"/>
           </a:p>
@@ -2748,15 +2753,15 @@
         </p:nvSpPr>
         <p:spPr>
           <a:xfrm>
-            <a:off x="1058570" y="5040632"/>
-            <a:ext cx="3240405" cy="595075"/>
+            <a:off x="1344527" y="6401915"/>
+            <a:ext cx="4115753" cy="755782"/>
           </a:xfrm>
         </p:spPr>
         <p:txBody>
           <a:bodyPr anchor="b"/>
           <a:lstStyle>
             <a:lvl1pPr algn="l">
-              <a:defRPr sz="2000" b="1"/>
+              <a:defRPr sz="2600" b="1"/>
             </a:lvl1pPr>
           </a:lstStyle>
           <a:p>
@@ -2780,8 +2785,8 @@
         </p:nvSpPr>
         <p:spPr>
           <a:xfrm>
-            <a:off x="1058570" y="643413"/>
-            <a:ext cx="3240405" cy="4320540"/>
+            <a:off x="1344527" y="817177"/>
+            <a:ext cx="4115753" cy="5487353"/>
           </a:xfrm>
         </p:spPr>
         <p:txBody>
@@ -2789,39 +2794,39 @@
           <a:lstStyle>
             <a:lvl1pPr marL="0" indent="0">
               <a:buNone/>
-              <a:defRPr sz="3200"/>
+              <a:defRPr sz="4100"/>
             </a:lvl1pPr>
-            <a:lvl2pPr marL="457200" indent="0">
-              <a:buNone/>
-              <a:defRPr sz="2800"/>
+            <a:lvl2pPr marL="587822" indent="0">
+              <a:buNone/>
+              <a:defRPr sz="3600"/>
             </a:lvl2pPr>
-            <a:lvl3pPr marL="914400" indent="0">
-              <a:buNone/>
-              <a:defRPr sz="2400"/>
+            <a:lvl3pPr marL="1175644" indent="0">
+              <a:buNone/>
+              <a:defRPr sz="3100"/>
             </a:lvl3pPr>
-            <a:lvl4pPr marL="1371600" indent="0">
-              <a:buNone/>
-              <a:defRPr sz="2000"/>
+            <a:lvl4pPr marL="1763466" indent="0">
+              <a:buNone/>
+              <a:defRPr sz="2600"/>
             </a:lvl4pPr>
-            <a:lvl5pPr marL="1828800" indent="0">
-              <a:buNone/>
-              <a:defRPr sz="2000"/>
+            <a:lvl5pPr marL="2351288" indent="0">
+              <a:buNone/>
+              <a:defRPr sz="2600"/>
             </a:lvl5pPr>
-            <a:lvl6pPr marL="2286000" indent="0">
-              <a:buNone/>
-              <a:defRPr sz="2000"/>
+            <a:lvl6pPr marL="2939110" indent="0">
+              <a:buNone/>
+              <a:defRPr sz="2600"/>
             </a:lvl6pPr>
-            <a:lvl7pPr marL="2743200" indent="0">
-              <a:buNone/>
-              <a:defRPr sz="2000"/>
+            <a:lvl7pPr marL="3526932" indent="0">
+              <a:buNone/>
+              <a:defRPr sz="2600"/>
             </a:lvl7pPr>
-            <a:lvl8pPr marL="3200400" indent="0">
-              <a:buNone/>
-              <a:defRPr sz="2000"/>
+            <a:lvl8pPr marL="4114754" indent="0">
+              <a:buNone/>
+              <a:defRPr sz="2600"/>
             </a:lvl8pPr>
-            <a:lvl9pPr marL="3657600" indent="0">
-              <a:buNone/>
-              <a:defRPr sz="2000"/>
+            <a:lvl9pPr marL="4702576" indent="0">
+              <a:buNone/>
+              <a:defRPr sz="2600"/>
             </a:lvl9pPr>
           </a:lstStyle>
           <a:p>
@@ -2841,8 +2846,8 @@
         </p:nvSpPr>
         <p:spPr>
           <a:xfrm>
-            <a:off x="1058570" y="5635707"/>
-            <a:ext cx="3240405" cy="845105"/>
+            <a:off x="1344527" y="7157701"/>
+            <a:ext cx="4115753" cy="1073335"/>
           </a:xfrm>
         </p:spPr>
         <p:txBody>
@@ -2850,39 +2855,39 @@
           <a:lstStyle>
             <a:lvl1pPr marL="0" indent="0">
               <a:buNone/>
-              <a:defRPr sz="1400"/>
+              <a:defRPr sz="1800"/>
             </a:lvl1pPr>
-            <a:lvl2pPr marL="457200" indent="0">
+            <a:lvl2pPr marL="587822" indent="0">
+              <a:buNone/>
+              <a:defRPr sz="1500"/>
+            </a:lvl2pPr>
+            <a:lvl3pPr marL="1175644" indent="0">
+              <a:buNone/>
+              <a:defRPr sz="1300"/>
+            </a:lvl3pPr>
+            <a:lvl4pPr marL="1763466" indent="0">
               <a:buNone/>
               <a:defRPr sz="1200"/>
-            </a:lvl2pPr>
-            <a:lvl3pPr marL="914400" indent="0">
-              <a:buNone/>
-              <a:defRPr sz="1000"/>
-            </a:lvl3pPr>
-            <a:lvl4pPr marL="1371600" indent="0">
-              <a:buNone/>
-              <a:defRPr sz="900"/>
             </a:lvl4pPr>
-            <a:lvl5pPr marL="1828800" indent="0">
-              <a:buNone/>
-              <a:defRPr sz="900"/>
+            <a:lvl5pPr marL="2351288" indent="0">
+              <a:buNone/>
+              <a:defRPr sz="1200"/>
             </a:lvl5pPr>
-            <a:lvl6pPr marL="2286000" indent="0">
-              <a:buNone/>
-              <a:defRPr sz="900"/>
+            <a:lvl6pPr marL="2939110" indent="0">
+              <a:buNone/>
+              <a:defRPr sz="1200"/>
             </a:lvl6pPr>
-            <a:lvl7pPr marL="2743200" indent="0">
-              <a:buNone/>
-              <a:defRPr sz="900"/>
+            <a:lvl7pPr marL="3526932" indent="0">
+              <a:buNone/>
+              <a:defRPr sz="1200"/>
             </a:lvl7pPr>
-            <a:lvl8pPr marL="3200400" indent="0">
-              <a:buNone/>
-              <a:defRPr sz="900"/>
+            <a:lvl8pPr marL="4114754" indent="0">
+              <a:buNone/>
+              <a:defRPr sz="1200"/>
             </a:lvl8pPr>
-            <a:lvl9pPr marL="3657600" indent="0">
-              <a:buNone/>
-              <a:defRPr sz="900"/>
+            <a:lvl9pPr marL="4702576" indent="0">
+              <a:buNone/>
+              <a:defRPr sz="1200"/>
             </a:lvl9pPr>
           </a:lstStyle>
           <a:p>
@@ -2912,7 +2917,7 @@
             <a:fld id="{15ED354D-AA56-4B1F-A1D8-6F343D2F9B01}" type="datetimeFigureOut">
               <a:rPr lang="pt-BR" smtClean="0"/>
               <a:pPr/>
-              <a:t>10/04/2022</a:t>
+              <a:t>17/05/2022</a:t>
             </a:fld>
             <a:endParaRPr lang="pt-BR"/>
           </a:p>
@@ -3006,15 +3011,15 @@
         </p:nvSpPr>
         <p:spPr>
           <a:xfrm>
-            <a:off x="270034" y="288370"/>
-            <a:ext cx="4860608" cy="1200150"/>
+            <a:off x="342983" y="366247"/>
+            <a:ext cx="6173630" cy="1524265"/>
           </a:xfrm>
           <a:prstGeom prst="rect">
             <a:avLst/>
           </a:prstGeom>
         </p:spPr>
         <p:txBody>
-          <a:bodyPr vert="horz" lIns="91440" tIns="45720" rIns="91440" bIns="45720" rtlCol="0" anchor="ctr">
+          <a:bodyPr vert="horz" lIns="117564" tIns="58782" rIns="117564" bIns="58782" rtlCol="0" anchor="ctr">
             <a:normAutofit/>
           </a:bodyPr>
           <a:lstStyle/>
@@ -3039,15 +3044,15 @@
         </p:nvSpPr>
         <p:spPr>
           <a:xfrm>
-            <a:off x="270034" y="1680213"/>
-            <a:ext cx="4860608" cy="4752261"/>
+            <a:off x="342983" y="2133975"/>
+            <a:ext cx="6173630" cy="6035665"/>
           </a:xfrm>
           <a:prstGeom prst="rect">
             <a:avLst/>
           </a:prstGeom>
         </p:spPr>
         <p:txBody>
-          <a:bodyPr vert="horz" lIns="91440" tIns="45720" rIns="91440" bIns="45720" rtlCol="0">
+          <a:bodyPr vert="horz" lIns="117564" tIns="58782" rIns="117564" bIns="58782" rtlCol="0">
             <a:normAutofit/>
           </a:bodyPr>
           <a:lstStyle/>
@@ -3101,18 +3106,18 @@
         </p:nvSpPr>
         <p:spPr>
           <a:xfrm>
-            <a:off x="270034" y="6674170"/>
-            <a:ext cx="1260158" cy="383381"/>
+            <a:off x="342980" y="8476609"/>
+            <a:ext cx="1600571" cy="486917"/>
           </a:xfrm>
           <a:prstGeom prst="rect">
             <a:avLst/>
           </a:prstGeom>
         </p:spPr>
         <p:txBody>
-          <a:bodyPr vert="horz" lIns="91440" tIns="45720" rIns="91440" bIns="45720" rtlCol="0" anchor="ctr"/>
+          <a:bodyPr vert="horz" lIns="117564" tIns="58782" rIns="117564" bIns="58782" rtlCol="0" anchor="ctr"/>
           <a:lstStyle>
             <a:lvl1pPr algn="l">
-              <a:defRPr sz="1200">
+              <a:defRPr sz="1500">
                 <a:solidFill>
                   <a:schemeClr val="tx1">
                     <a:tint val="75000"/>
@@ -3125,7 +3130,7 @@
             <a:fld id="{15ED354D-AA56-4B1F-A1D8-6F343D2F9B01}" type="datetimeFigureOut">
               <a:rPr lang="pt-BR" smtClean="0"/>
               <a:pPr/>
-              <a:t>10/04/2022</a:t>
+              <a:t>17/05/2022</a:t>
             </a:fld>
             <a:endParaRPr lang="pt-BR"/>
           </a:p>
@@ -3143,18 +3148,18 @@
         </p:nvSpPr>
         <p:spPr>
           <a:xfrm>
-            <a:off x="1845231" y="6674170"/>
-            <a:ext cx="1710214" cy="383381"/>
+            <a:off x="2343696" y="8476609"/>
+            <a:ext cx="2172203" cy="486917"/>
           </a:xfrm>
           <a:prstGeom prst="rect">
             <a:avLst/>
           </a:prstGeom>
         </p:spPr>
         <p:txBody>
-          <a:bodyPr vert="horz" lIns="91440" tIns="45720" rIns="91440" bIns="45720" rtlCol="0" anchor="ctr"/>
+          <a:bodyPr vert="horz" lIns="117564" tIns="58782" rIns="117564" bIns="58782" rtlCol="0" anchor="ctr"/>
           <a:lstStyle>
             <a:lvl1pPr algn="ctr">
-              <a:defRPr sz="1200">
+              <a:defRPr sz="1500">
                 <a:solidFill>
                   <a:schemeClr val="tx1">
                     <a:tint val="75000"/>
@@ -3180,18 +3185,18 @@
         </p:nvSpPr>
         <p:spPr>
           <a:xfrm>
-            <a:off x="3870484" y="6674170"/>
-            <a:ext cx="1260158" cy="383381"/>
+            <a:off x="4916042" y="8476609"/>
+            <a:ext cx="1600571" cy="486917"/>
           </a:xfrm>
           <a:prstGeom prst="rect">
             <a:avLst/>
           </a:prstGeom>
         </p:spPr>
         <p:txBody>
-          <a:bodyPr vert="horz" lIns="91440" tIns="45720" rIns="91440" bIns="45720" rtlCol="0" anchor="ctr"/>
+          <a:bodyPr vert="horz" lIns="117564" tIns="58782" rIns="117564" bIns="58782" rtlCol="0" anchor="ctr"/>
           <a:lstStyle>
             <a:lvl1pPr algn="r">
-              <a:defRPr sz="1200">
+              <a:defRPr sz="1500">
                 <a:solidFill>
                   <a:schemeClr val="tx1">
                     <a:tint val="75000"/>
@@ -3228,12 +3233,12 @@
   </p:sldLayoutIdLst>
   <p:txStyles>
     <p:titleStyle>
-      <a:lvl1pPr algn="ctr" defTabSz="914400" rtl="0" eaLnBrk="1" latinLnBrk="0" hangingPunct="1">
+      <a:lvl1pPr algn="ctr" defTabSz="1175644" rtl="0" eaLnBrk="1" latinLnBrk="0" hangingPunct="1">
         <a:spcBef>
           <a:spcPct val="0"/>
         </a:spcBef>
         <a:buNone/>
-        <a:defRPr sz="4400" kern="1200">
+        <a:defRPr sz="5700" kern="1200">
           <a:solidFill>
             <a:schemeClr val="tx1"/>
           </a:solidFill>
@@ -3244,13 +3249,13 @@
       </a:lvl1pPr>
     </p:titleStyle>
     <p:bodyStyle>
-      <a:lvl1pPr marL="342900" indent="-342900" algn="l" defTabSz="914400" rtl="0" eaLnBrk="1" latinLnBrk="0" hangingPunct="1">
+      <a:lvl1pPr marL="440867" indent="-440867" algn="l" defTabSz="1175644" rtl="0" eaLnBrk="1" latinLnBrk="0" hangingPunct="1">
         <a:spcBef>
           <a:spcPct val="20000"/>
         </a:spcBef>
         <a:buFont typeface="Arial" pitchFamily="34" charset="0"/>
         <a:buChar char="•"/>
-        <a:defRPr sz="3200" kern="1200">
+        <a:defRPr sz="4100" kern="1200">
           <a:solidFill>
             <a:schemeClr val="tx1"/>
           </a:solidFill>
@@ -3259,13 +3264,13 @@
           <a:cs typeface="+mn-cs"/>
         </a:defRPr>
       </a:lvl1pPr>
-      <a:lvl2pPr marL="742950" indent="-285750" algn="l" defTabSz="914400" rtl="0" eaLnBrk="1" latinLnBrk="0" hangingPunct="1">
+      <a:lvl2pPr marL="955211" indent="-367389" algn="l" defTabSz="1175644" rtl="0" eaLnBrk="1" latinLnBrk="0" hangingPunct="1">
         <a:spcBef>
           <a:spcPct val="20000"/>
         </a:spcBef>
         <a:buFont typeface="Arial" pitchFamily="34" charset="0"/>
         <a:buChar char="–"/>
-        <a:defRPr sz="2800" kern="1200">
+        <a:defRPr sz="3600" kern="1200">
           <a:solidFill>
             <a:schemeClr val="tx1"/>
           </a:solidFill>
@@ -3274,13 +3279,13 @@
           <a:cs typeface="+mn-cs"/>
         </a:defRPr>
       </a:lvl2pPr>
-      <a:lvl3pPr marL="1143000" indent="-228600" algn="l" defTabSz="914400" rtl="0" eaLnBrk="1" latinLnBrk="0" hangingPunct="1">
+      <a:lvl3pPr marL="1469555" indent="-293911" algn="l" defTabSz="1175644" rtl="0" eaLnBrk="1" latinLnBrk="0" hangingPunct="1">
         <a:spcBef>
           <a:spcPct val="20000"/>
         </a:spcBef>
         <a:buFont typeface="Arial" pitchFamily="34" charset="0"/>
         <a:buChar char="•"/>
-        <a:defRPr sz="2400" kern="1200">
+        <a:defRPr sz="3100" kern="1200">
           <a:solidFill>
             <a:schemeClr val="tx1"/>
           </a:solidFill>
@@ -3289,13 +3294,13 @@
           <a:cs typeface="+mn-cs"/>
         </a:defRPr>
       </a:lvl3pPr>
-      <a:lvl4pPr marL="1600200" indent="-228600" algn="l" defTabSz="914400" rtl="0" eaLnBrk="1" latinLnBrk="0" hangingPunct="1">
+      <a:lvl4pPr marL="2057377" indent="-293911" algn="l" defTabSz="1175644" rtl="0" eaLnBrk="1" latinLnBrk="0" hangingPunct="1">
         <a:spcBef>
           <a:spcPct val="20000"/>
         </a:spcBef>
         <a:buFont typeface="Arial" pitchFamily="34" charset="0"/>
         <a:buChar char="–"/>
-        <a:defRPr sz="2000" kern="1200">
+        <a:defRPr sz="2600" kern="1200">
           <a:solidFill>
             <a:schemeClr val="tx1"/>
           </a:solidFill>
@@ -3304,13 +3309,13 @@
           <a:cs typeface="+mn-cs"/>
         </a:defRPr>
       </a:lvl4pPr>
-      <a:lvl5pPr marL="2057400" indent="-228600" algn="l" defTabSz="914400" rtl="0" eaLnBrk="1" latinLnBrk="0" hangingPunct="1">
+      <a:lvl5pPr marL="2645199" indent="-293911" algn="l" defTabSz="1175644" rtl="0" eaLnBrk="1" latinLnBrk="0" hangingPunct="1">
         <a:spcBef>
           <a:spcPct val="20000"/>
         </a:spcBef>
         <a:buFont typeface="Arial" pitchFamily="34" charset="0"/>
         <a:buChar char="»"/>
-        <a:defRPr sz="2000" kern="1200">
+        <a:defRPr sz="2600" kern="1200">
           <a:solidFill>
             <a:schemeClr val="tx1"/>
           </a:solidFill>
@@ -3319,13 +3324,13 @@
           <a:cs typeface="+mn-cs"/>
         </a:defRPr>
       </a:lvl5pPr>
-      <a:lvl6pPr marL="2514600" indent="-228600" algn="l" defTabSz="914400" rtl="0" eaLnBrk="1" latinLnBrk="0" hangingPunct="1">
+      <a:lvl6pPr marL="3233021" indent="-293911" algn="l" defTabSz="1175644" rtl="0" eaLnBrk="1" latinLnBrk="0" hangingPunct="1">
         <a:spcBef>
           <a:spcPct val="20000"/>
         </a:spcBef>
         <a:buFont typeface="Arial" pitchFamily="34" charset="0"/>
         <a:buChar char="•"/>
-        <a:defRPr sz="2000" kern="1200">
+        <a:defRPr sz="2600" kern="1200">
           <a:solidFill>
             <a:schemeClr val="tx1"/>
           </a:solidFill>
@@ -3334,13 +3339,13 @@
           <a:cs typeface="+mn-cs"/>
         </a:defRPr>
       </a:lvl6pPr>
-      <a:lvl7pPr marL="2971800" indent="-228600" algn="l" defTabSz="914400" rtl="0" eaLnBrk="1" latinLnBrk="0" hangingPunct="1">
+      <a:lvl7pPr marL="3820843" indent="-293911" algn="l" defTabSz="1175644" rtl="0" eaLnBrk="1" latinLnBrk="0" hangingPunct="1">
         <a:spcBef>
           <a:spcPct val="20000"/>
         </a:spcBef>
         <a:buFont typeface="Arial" pitchFamily="34" charset="0"/>
         <a:buChar char="•"/>
-        <a:defRPr sz="2000" kern="1200">
+        <a:defRPr sz="2600" kern="1200">
           <a:solidFill>
             <a:schemeClr val="tx1"/>
           </a:solidFill>
@@ -3349,13 +3354,13 @@
           <a:cs typeface="+mn-cs"/>
         </a:defRPr>
       </a:lvl7pPr>
-      <a:lvl8pPr marL="3429000" indent="-228600" algn="l" defTabSz="914400" rtl="0" eaLnBrk="1" latinLnBrk="0" hangingPunct="1">
+      <a:lvl8pPr marL="4408665" indent="-293911" algn="l" defTabSz="1175644" rtl="0" eaLnBrk="1" latinLnBrk="0" hangingPunct="1">
         <a:spcBef>
           <a:spcPct val="20000"/>
         </a:spcBef>
         <a:buFont typeface="Arial" pitchFamily="34" charset="0"/>
         <a:buChar char="•"/>
-        <a:defRPr sz="2000" kern="1200">
+        <a:defRPr sz="2600" kern="1200">
           <a:solidFill>
             <a:schemeClr val="tx1"/>
           </a:solidFill>
@@ -3364,13 +3369,13 @@
           <a:cs typeface="+mn-cs"/>
         </a:defRPr>
       </a:lvl8pPr>
-      <a:lvl9pPr marL="3886200" indent="-228600" algn="l" defTabSz="914400" rtl="0" eaLnBrk="1" latinLnBrk="0" hangingPunct="1">
+      <a:lvl9pPr marL="4996487" indent="-293911" algn="l" defTabSz="1175644" rtl="0" eaLnBrk="1" latinLnBrk="0" hangingPunct="1">
         <a:spcBef>
           <a:spcPct val="20000"/>
         </a:spcBef>
         <a:buFont typeface="Arial" pitchFamily="34" charset="0"/>
         <a:buChar char="•"/>
-        <a:defRPr sz="2000" kern="1200">
+        <a:defRPr sz="2600" kern="1200">
           <a:solidFill>
             <a:schemeClr val="tx1"/>
           </a:solidFill>
@@ -3384,8 +3389,8 @@
       <a:defPPr>
         <a:defRPr lang="pt-BR"/>
       </a:defPPr>
-      <a:lvl1pPr marL="0" algn="l" defTabSz="914400" rtl="0" eaLnBrk="1" latinLnBrk="0" hangingPunct="1">
-        <a:defRPr sz="1800" kern="1200">
+      <a:lvl1pPr marL="0" algn="l" defTabSz="1175644" rtl="0" eaLnBrk="1" latinLnBrk="0" hangingPunct="1">
+        <a:defRPr sz="2300" kern="1200">
           <a:solidFill>
             <a:schemeClr val="tx1"/>
           </a:solidFill>
@@ -3394,8 +3399,8 @@
           <a:cs typeface="+mn-cs"/>
         </a:defRPr>
       </a:lvl1pPr>
-      <a:lvl2pPr marL="457200" algn="l" defTabSz="914400" rtl="0" eaLnBrk="1" latinLnBrk="0" hangingPunct="1">
-        <a:defRPr sz="1800" kern="1200">
+      <a:lvl2pPr marL="587822" algn="l" defTabSz="1175644" rtl="0" eaLnBrk="1" latinLnBrk="0" hangingPunct="1">
+        <a:defRPr sz="2300" kern="1200">
           <a:solidFill>
             <a:schemeClr val="tx1"/>
           </a:solidFill>
@@ -3404,8 +3409,8 @@
           <a:cs typeface="+mn-cs"/>
         </a:defRPr>
       </a:lvl2pPr>
-      <a:lvl3pPr marL="914400" algn="l" defTabSz="914400" rtl="0" eaLnBrk="1" latinLnBrk="0" hangingPunct="1">
-        <a:defRPr sz="1800" kern="1200">
+      <a:lvl3pPr marL="1175644" algn="l" defTabSz="1175644" rtl="0" eaLnBrk="1" latinLnBrk="0" hangingPunct="1">
+        <a:defRPr sz="2300" kern="1200">
           <a:solidFill>
             <a:schemeClr val="tx1"/>
           </a:solidFill>
@@ -3414,8 +3419,8 @@
           <a:cs typeface="+mn-cs"/>
         </a:defRPr>
       </a:lvl3pPr>
-      <a:lvl4pPr marL="1371600" algn="l" defTabSz="914400" rtl="0" eaLnBrk="1" latinLnBrk="0" hangingPunct="1">
-        <a:defRPr sz="1800" kern="1200">
+      <a:lvl4pPr marL="1763466" algn="l" defTabSz="1175644" rtl="0" eaLnBrk="1" latinLnBrk="0" hangingPunct="1">
+        <a:defRPr sz="2300" kern="1200">
           <a:solidFill>
             <a:schemeClr val="tx1"/>
           </a:solidFill>
@@ -3424,8 +3429,8 @@
           <a:cs typeface="+mn-cs"/>
         </a:defRPr>
       </a:lvl4pPr>
-      <a:lvl5pPr marL="1828800" algn="l" defTabSz="914400" rtl="0" eaLnBrk="1" latinLnBrk="0" hangingPunct="1">
-        <a:defRPr sz="1800" kern="1200">
+      <a:lvl5pPr marL="2351288" algn="l" defTabSz="1175644" rtl="0" eaLnBrk="1" latinLnBrk="0" hangingPunct="1">
+        <a:defRPr sz="2300" kern="1200">
           <a:solidFill>
             <a:schemeClr val="tx1"/>
           </a:solidFill>
@@ -3434,8 +3439,8 @@
           <a:cs typeface="+mn-cs"/>
         </a:defRPr>
       </a:lvl5pPr>
-      <a:lvl6pPr marL="2286000" algn="l" defTabSz="914400" rtl="0" eaLnBrk="1" latinLnBrk="0" hangingPunct="1">
-        <a:defRPr sz="1800" kern="1200">
+      <a:lvl6pPr marL="2939110" algn="l" defTabSz="1175644" rtl="0" eaLnBrk="1" latinLnBrk="0" hangingPunct="1">
+        <a:defRPr sz="2300" kern="1200">
           <a:solidFill>
             <a:schemeClr val="tx1"/>
           </a:solidFill>
@@ -3444,8 +3449,8 @@
           <a:cs typeface="+mn-cs"/>
         </a:defRPr>
       </a:lvl6pPr>
-      <a:lvl7pPr marL="2743200" algn="l" defTabSz="914400" rtl="0" eaLnBrk="1" latinLnBrk="0" hangingPunct="1">
-        <a:defRPr sz="1800" kern="1200">
+      <a:lvl7pPr marL="3526932" algn="l" defTabSz="1175644" rtl="0" eaLnBrk="1" latinLnBrk="0" hangingPunct="1">
+        <a:defRPr sz="2300" kern="1200">
           <a:solidFill>
             <a:schemeClr val="tx1"/>
           </a:solidFill>
@@ -3454,8 +3459,8 @@
           <a:cs typeface="+mn-cs"/>
         </a:defRPr>
       </a:lvl7pPr>
-      <a:lvl8pPr marL="3200400" algn="l" defTabSz="914400" rtl="0" eaLnBrk="1" latinLnBrk="0" hangingPunct="1">
-        <a:defRPr sz="1800" kern="1200">
+      <a:lvl8pPr marL="4114754" algn="l" defTabSz="1175644" rtl="0" eaLnBrk="1" latinLnBrk="0" hangingPunct="1">
+        <a:defRPr sz="2300" kern="1200">
           <a:solidFill>
             <a:schemeClr val="tx1"/>
           </a:solidFill>
@@ -3464,8 +3469,8 @@
           <a:cs typeface="+mn-cs"/>
         </a:defRPr>
       </a:lvl8pPr>
-      <a:lvl9pPr marL="3657600" algn="l" defTabSz="914400" rtl="0" eaLnBrk="1" latinLnBrk="0" hangingPunct="1">
-        <a:defRPr sz="1800" kern="1200">
+      <a:lvl9pPr marL="4702576" algn="l" defTabSz="1175644" rtl="0" eaLnBrk="1" latinLnBrk="0" hangingPunct="1">
+        <a:defRPr sz="2300" kern="1200">
           <a:solidFill>
             <a:schemeClr val="tx1"/>
           </a:solidFill>
@@ -3508,7 +3513,7 @@
       </p:grpSpPr>
       <p:pic>
         <p:nvPicPr>
-          <p:cNvPr id="1026" name="Picture 2" descr="C:\Users\Ricardo\Documents\R-Projetos\Exploratory-Data-Analysis-Bancarization\img\simulacao_buffer.png"/>
+          <p:cNvPr id="3" name="Picture 2"/>
           <p:cNvPicPr>
             <a:picLocks noChangeAspect="1" noChangeArrowheads="1"/>
           </p:cNvPicPr>
@@ -3516,20 +3521,26 @@
         </p:nvPicPr>
         <p:blipFill>
           <a:blip r:embed="rId3" cstate="print"/>
-          <a:srcRect l="3588" t="3694" r="3127" b="3524"/>
+          <a:srcRect l="3892" t="3848" r="3481" b="3831"/>
           <a:stretch>
             <a:fillRect/>
           </a:stretch>
         </p:blipFill>
         <p:spPr bwMode="auto">
           <a:xfrm>
-            <a:off x="468089" y="1296194"/>
-            <a:ext cx="3744416" cy="5688632"/>
+            <a:off x="621482" y="1332434"/>
+            <a:ext cx="4752527" cy="7235191"/>
           </a:xfrm>
           <a:prstGeom prst="rect">
             <a:avLst/>
           </a:prstGeom>
           <a:noFill/>
+          <a:ln w="9525">
+            <a:noFill/>
+            <a:miter lim="800000"/>
+            <a:headEnd/>
+            <a:tailEnd/>
+          </a:ln>
         </p:spPr>
       </p:pic>
       <p:sp>
@@ -3540,15 +3551,15 @@
         </p:nvSpPr>
         <p:spPr>
           <a:xfrm>
-            <a:off x="135289" y="507764"/>
-            <a:ext cx="1973617" cy="400110"/>
+            <a:off x="217487" y="545905"/>
+            <a:ext cx="2026375" cy="426489"/>
           </a:xfrm>
           <a:prstGeom prst="rect">
             <a:avLst/>
           </a:prstGeom>
         </p:spPr>
         <p:txBody>
-          <a:bodyPr wrap="none">
+          <a:bodyPr wrap="none" lIns="117564" tIns="58782" rIns="117564" bIns="58782">
             <a:spAutoFit/>
           </a:bodyPr>
           <a:lstStyle/>
@@ -3600,21 +3611,21 @@
         </p:nvSpPr>
         <p:spPr>
           <a:xfrm>
-            <a:off x="140641" y="849338"/>
-            <a:ext cx="3384260" cy="230832"/>
+            <a:off x="224284" y="872760"/>
+            <a:ext cx="3770443" cy="272600"/>
           </a:xfrm>
           <a:prstGeom prst="rect">
             <a:avLst/>
           </a:prstGeom>
         </p:spPr>
         <p:txBody>
-          <a:bodyPr wrap="none">
+          <a:bodyPr wrap="none" lIns="117564" tIns="58782" rIns="117564" bIns="58782">
             <a:spAutoFit/>
           </a:bodyPr>
           <a:lstStyle/>
           <a:p>
             <a:r>
-              <a:rPr lang="pt-BR" sz="900" dirty="0" smtClean="0">
+              <a:rPr lang="pt-BR" sz="1000" dirty="0" smtClean="0">
                 <a:solidFill>
                   <a:schemeClr val="tx1">
                     <a:lumMod val="85000"/>
@@ -3626,7 +3637,7 @@
               </a:rPr>
               <a:t>Simulando uma População para Análise em Zona de Influência.</a:t>
             </a:r>
-            <a:endParaRPr lang="pt-BR" sz="900" dirty="0">
+            <a:endParaRPr lang="pt-BR" sz="1000" dirty="0">
               <a:solidFill>
                 <a:schemeClr val="tx1">
                   <a:lumMod val="85000"/>
@@ -3649,8 +3660,8 @@
         </p:nvSpPr>
         <p:spPr bwMode="auto">
           <a:xfrm>
-            <a:off x="110253" y="-151685"/>
-            <a:ext cx="216006" cy="320041"/>
+            <a:off x="140036" y="-192649"/>
+            <a:ext cx="274357" cy="406472"/>
           </a:xfrm>
           <a:prstGeom prst="rect">
             <a:avLst/>
@@ -3658,7 +3669,7 @@
           <a:noFill/>
         </p:spPr>
         <p:txBody>
-          <a:bodyPr vert="horz" wrap="square" lIns="91440" tIns="45720" rIns="91440" bIns="45720" numCol="1" anchor="t" anchorCtr="0" compatLnSpc="1">
+          <a:bodyPr vert="horz" wrap="square" lIns="117564" tIns="58782" rIns="117564" bIns="58782" numCol="1" anchor="t" anchorCtr="0" compatLnSpc="1">
             <a:prstTxWarp prst="textNoShape">
               <a:avLst/>
             </a:prstTxWarp>
@@ -3679,8 +3690,8 @@
         </p:nvSpPr>
         <p:spPr bwMode="auto">
           <a:xfrm>
-            <a:off x="110253" y="-151685"/>
-            <a:ext cx="216006" cy="320041"/>
+            <a:off x="140036" y="-192649"/>
+            <a:ext cx="274357" cy="406472"/>
           </a:xfrm>
           <a:prstGeom prst="rect">
             <a:avLst/>
@@ -3688,7 +3699,7 @@
           <a:noFill/>
         </p:spPr>
         <p:txBody>
-          <a:bodyPr vert="horz" wrap="square" lIns="91440" tIns="45720" rIns="91440" bIns="45720" numCol="1" anchor="t" anchorCtr="0" compatLnSpc="1">
+          <a:bodyPr vert="horz" wrap="square" lIns="117564" tIns="58782" rIns="117564" bIns="58782" numCol="1" anchor="t" anchorCtr="0" compatLnSpc="1">
             <a:prstTxWarp prst="textNoShape">
               <a:avLst/>
             </a:prstTxWarp>
@@ -3707,8 +3718,8 @@
         </p:nvSpPr>
         <p:spPr>
           <a:xfrm>
-            <a:off x="172789" y="304051"/>
-            <a:ext cx="548548" cy="200055"/>
+            <a:off x="234597" y="334362"/>
+            <a:ext cx="602909" cy="226434"/>
           </a:xfrm>
           <a:prstGeom prst="rect">
             <a:avLst/>
@@ -3718,7 +3729,7 @@
           </a:ln>
         </p:spPr>
         <p:txBody>
-          <a:bodyPr wrap="none">
+          <a:bodyPr wrap="none" lIns="117564" tIns="58782" rIns="117564" bIns="58782">
             <a:spAutoFit/>
           </a:bodyPr>
           <a:lstStyle/>
@@ -3726,10 +3737,7 @@
             <a:r>
               <a:rPr lang="pt-BR" sz="700" b="1" dirty="0" smtClean="0">
                 <a:solidFill>
-                  <a:schemeClr val="tx2">
-                    <a:lumMod val="60000"/>
-                    <a:lumOff val="40000"/>
-                  </a:schemeClr>
+                  <a:srgbClr val="2070B4"/>
                 </a:solidFill>
                 <a:latin typeface="Roboto" pitchFamily="2" charset="0"/>
                 <a:ea typeface="Roboto" pitchFamily="2" charset="0"/>
@@ -3739,10 +3747,7 @@
             <a:r>
               <a:rPr lang="pt-BR" sz="700" b="1" dirty="0" err="1" smtClean="0">
                 <a:solidFill>
-                  <a:schemeClr val="tx2">
-                    <a:lumMod val="60000"/>
-                    <a:lumOff val="40000"/>
-                  </a:schemeClr>
+                  <a:srgbClr val="2070B4"/>
                 </a:solidFill>
                 <a:latin typeface="Roboto" pitchFamily="2" charset="0"/>
                 <a:ea typeface="Roboto" pitchFamily="2" charset="0"/>
@@ -3751,10 +3756,7 @@
             </a:r>
             <a:endParaRPr lang="pt-BR" sz="700" b="1" dirty="0">
               <a:solidFill>
-                <a:schemeClr val="tx2">
-                  <a:lumMod val="60000"/>
-                  <a:lumOff val="40000"/>
-                </a:schemeClr>
+                <a:srgbClr val="2070B4"/>
               </a:solidFill>
               <a:latin typeface="Roboto" pitchFamily="2" charset="0"/>
               <a:ea typeface="Roboto" pitchFamily="2" charset="0"/>
@@ -3770,8 +3772,8 @@
         </p:nvSpPr>
         <p:spPr>
           <a:xfrm>
-            <a:off x="242327" y="311485"/>
-            <a:ext cx="506526" cy="170119"/>
+            <a:off x="307791" y="329303"/>
+            <a:ext cx="457707" cy="219491"/>
           </a:xfrm>
           <a:prstGeom prst="roundRect">
             <a:avLst/>
@@ -3779,10 +3781,7 @@
           <a:noFill/>
           <a:ln w="12700">
             <a:solidFill>
-              <a:schemeClr val="tx2">
-                <a:lumMod val="60000"/>
-                <a:lumOff val="40000"/>
-              </a:schemeClr>
+              <a:srgbClr val="2070B4"/>
             </a:solidFill>
           </a:ln>
         </p:spPr>
@@ -3803,7 +3802,7 @@
           </a:fontRef>
         </p:style>
         <p:txBody>
-          <a:bodyPr rtlCol="0" anchor="ctr"/>
+          <a:bodyPr lIns="117564" tIns="58782" rIns="117564" bIns="58782" rtlCol="0" anchor="ctr"/>
           <a:lstStyle/>
           <a:p>
             <a:pPr algn="ctr"/>
@@ -3819,8 +3818,8 @@
         </p:nvCxnSpPr>
         <p:spPr>
           <a:xfrm>
-            <a:off x="252065" y="1152178"/>
-            <a:ext cx="4824536" cy="0"/>
+            <a:off x="320157" y="1207264"/>
+            <a:ext cx="6127814" cy="0"/>
           </a:xfrm>
           <a:prstGeom prst="line">
             <a:avLst/>
@@ -3854,8 +3853,8 @@
         </p:nvSpPr>
         <p:spPr>
           <a:xfrm>
-            <a:off x="2618390" y="5879445"/>
-            <a:ext cx="2530219" cy="169277"/>
+            <a:off x="3325711" y="7382138"/>
+            <a:ext cx="3213720" cy="214992"/>
           </a:xfrm>
           <a:prstGeom prst="rect">
             <a:avLst/>
@@ -3863,13 +3862,13 @@
           <a:noFill/>
         </p:spPr>
         <p:txBody>
-          <a:bodyPr wrap="square" rtlCol="0">
+          <a:bodyPr wrap="square" lIns="117564" tIns="58782" rIns="117564" bIns="58782" rtlCol="0">
             <a:spAutoFit/>
           </a:bodyPr>
           <a:lstStyle/>
           <a:p>
             <a:r>
-              <a:rPr lang="pt-BR" sz="500" dirty="0" smtClean="0">
+              <a:rPr lang="pt-BR" sz="600" dirty="0" smtClean="0">
                 <a:solidFill>
                   <a:schemeClr val="tx1">
                     <a:lumMod val="85000"/>
@@ -3882,7 +3881,7 @@
               <a:t>1.  </a:t>
             </a:r>
             <a:r>
-              <a:rPr lang="pt-BR" sz="500" u="sng" dirty="0" smtClean="0">
+              <a:rPr lang="pt-BR" sz="600" u="sng" dirty="0" smtClean="0">
                 <a:solidFill>
                   <a:schemeClr val="tx1">
                     <a:lumMod val="85000"/>
@@ -3894,7 +3893,7 @@
               </a:rPr>
               <a:t>https://dadosabertos.bcb.gov.br/dataset/agencias</a:t>
             </a:r>
-            <a:endParaRPr lang="pt-BR" sz="500" u="sng" dirty="0">
+            <a:endParaRPr lang="pt-BR" sz="600" u="sng" dirty="0">
               <a:solidFill>
                 <a:schemeClr val="tx1">
                   <a:lumMod val="85000"/>
@@ -3915,8 +3914,8 @@
         </p:nvCxnSpPr>
         <p:spPr>
           <a:xfrm>
-            <a:off x="2690398" y="5807437"/>
-            <a:ext cx="864096" cy="0"/>
+            <a:off x="3417169" y="7290683"/>
+            <a:ext cx="1097519" cy="0"/>
           </a:xfrm>
           <a:prstGeom prst="line">
             <a:avLst/>
@@ -3952,8 +3951,8 @@
         </p:nvCxnSpPr>
         <p:spPr>
           <a:xfrm>
-            <a:off x="1891615" y="3449739"/>
-            <a:ext cx="798783" cy="942799"/>
+            <a:off x="2402611" y="4052269"/>
+            <a:ext cx="1014562" cy="1197413"/>
           </a:xfrm>
           <a:prstGeom prst="line">
             <a:avLst/>
@@ -3988,8 +3987,8 @@
         </p:nvCxnSpPr>
         <p:spPr>
           <a:xfrm>
-            <a:off x="2690398" y="4392538"/>
-            <a:ext cx="1944216" cy="0"/>
+            <a:off x="3417169" y="5249678"/>
+            <a:ext cx="2469417" cy="0"/>
           </a:xfrm>
           <a:prstGeom prst="line">
             <a:avLst/>
@@ -4024,8 +4023,8 @@
         </p:nvSpPr>
         <p:spPr>
           <a:xfrm flipH="1" flipV="1">
-            <a:off x="1852591" y="3410715"/>
-            <a:ext cx="45719" cy="45719"/>
+            <a:off x="2353042" y="4002706"/>
+            <a:ext cx="58070" cy="58066"/>
           </a:xfrm>
           <a:prstGeom prst="ellipse">
             <a:avLst/>
@@ -4054,7 +4053,7 @@
           </a:fontRef>
         </p:style>
         <p:txBody>
-          <a:bodyPr rtlCol="0" anchor="ctr"/>
+          <a:bodyPr lIns="117564" tIns="58782" rIns="117564" bIns="58782" rtlCol="0" anchor="ctr"/>
           <a:lstStyle/>
           <a:p>
             <a:pPr algn="ctr"/>
@@ -4070,21 +4069,21 @@
         </p:nvSpPr>
         <p:spPr>
           <a:xfrm>
-            <a:off x="2618390" y="4439285"/>
-            <a:ext cx="872355" cy="184666"/>
+            <a:off x="3325715" y="5309056"/>
+            <a:ext cx="1117473" cy="241823"/>
           </a:xfrm>
           <a:prstGeom prst="rect">
             <a:avLst/>
           </a:prstGeom>
         </p:spPr>
         <p:txBody>
-          <a:bodyPr wrap="none">
+          <a:bodyPr wrap="none" lIns="117564" tIns="58782" rIns="117564" bIns="58782">
             <a:spAutoFit/>
           </a:bodyPr>
           <a:lstStyle/>
           <a:p>
             <a:r>
-              <a:rPr lang="pt-BR" sz="600" b="1" dirty="0" smtClean="0">
+              <a:rPr lang="pt-BR" sz="800" b="1" dirty="0" smtClean="0">
                 <a:solidFill>
                   <a:schemeClr val="tx1">
                     <a:lumMod val="85000"/>
@@ -4096,7 +4095,7 @@
               </a:rPr>
               <a:t>Simulação e Buffer</a:t>
             </a:r>
-            <a:endParaRPr lang="pt-BR" sz="600" b="1" dirty="0">
+            <a:endParaRPr lang="pt-BR" sz="800" b="1" dirty="0">
               <a:solidFill>
                 <a:schemeClr val="tx1">
                   <a:lumMod val="85000"/>
@@ -4117,15 +4116,15 @@
         </p:nvSpPr>
         <p:spPr>
           <a:xfrm>
-            <a:off x="2618390" y="4655309"/>
-            <a:ext cx="2088232" cy="1015663"/>
+            <a:off x="3325713" y="5583414"/>
+            <a:ext cx="2652337" cy="1555003"/>
           </a:xfrm>
           <a:prstGeom prst="rect">
             <a:avLst/>
           </a:prstGeom>
         </p:spPr>
         <p:txBody>
-          <a:bodyPr wrap="square">
+          <a:bodyPr wrap="square" lIns="117564" tIns="58782" rIns="117564" bIns="58782">
             <a:spAutoFit/>
           </a:bodyPr>
           <a:lstStyle/>
@@ -4136,7 +4135,7 @@
               </a:lnSpc>
             </a:pPr>
             <a:r>
-              <a:rPr lang="pt-BR" sz="500" dirty="0" smtClean="0">
+              <a:rPr lang="pt-BR" sz="700" dirty="0" smtClean="0">
                 <a:solidFill>
                   <a:schemeClr val="tx1">
                     <a:lumMod val="85000"/>
@@ -4146,9 +4145,9 @@
                 <a:latin typeface="Roboto Light" pitchFamily="2" charset="0"/>
                 <a:ea typeface="Roboto Light" pitchFamily="2" charset="0"/>
               </a:rPr>
-              <a:t>À partir da localização das agências (pontos azuis), construiu-se uma zona de influência de 500m de raio (área contornada de cinza escuro ao redor dos pontos azuis),  a fim de identificar indivíduos com mais proximidade das mesmas. Para isso realizou-se a simulação de uma população fictícia de 8.969 indivíduos (pontos vermelhos). Observa-se os pontos em vermelho mais forte localizados dentro da zona das agências, enquanto os pontos em vermelho mais fraco estão mais longe.</a:t>
-            </a:r>
-            <a:endParaRPr lang="pt-BR" sz="500" dirty="0">
+              <a:t>À partir da localização das agências (pontos azuis), construiu-se uma zona de influência de 500m de raio (área contornada em cinza escuro ao redor dos pontos azuis), a fim de identificar indivíduos com mais proximidade das mesmas. Para isso realizou-se a simulação de uma população fictícia de 8.969 indivíduos (pontos vermelhos). Observam-se os pontos em vermelho mais forte (2.832) localizados dentro da zona das agências, enquanto os pontos em vermelho mais fraco (6.137) estão mais longe.</a:t>
+            </a:r>
+            <a:endParaRPr lang="pt-BR" sz="700" dirty="0">
               <a:solidFill>
                 <a:schemeClr val="tx1">
                   <a:lumMod val="85000"/>
@@ -4169,8 +4168,8 @@
         </p:nvGrpSpPr>
         <p:grpSpPr>
           <a:xfrm>
-            <a:off x="4068489" y="1368202"/>
-            <a:ext cx="1008112" cy="460851"/>
+            <a:off x="5167532" y="1408584"/>
+            <a:ext cx="1280438" cy="585310"/>
             <a:chOff x="3780457" y="1584226"/>
             <a:chExt cx="1008112" cy="460851"/>
           </a:xfrm>
@@ -4230,7 +4229,7 @@
           <p:spPr>
             <a:xfrm>
               <a:off x="4032794" y="1666919"/>
-              <a:ext cx="354200" cy="135422"/>
+              <a:ext cx="390233" cy="145399"/>
             </a:xfrm>
             <a:prstGeom prst="rect">
               <a:avLst/>
@@ -4243,7 +4242,7 @@
             <a:lstStyle/>
             <a:p>
               <a:r>
-                <a:rPr lang="pt-BR" sz="500" dirty="0" smtClean="0">
+                <a:rPr lang="pt-BR" sz="600" dirty="0" smtClean="0">
                   <a:solidFill>
                     <a:schemeClr val="tx1">
                       <a:lumMod val="85000"/>
@@ -4255,7 +4254,7 @@
                 </a:rPr>
                 <a:t>Agências</a:t>
               </a:r>
-              <a:endParaRPr lang="pt-BR" sz="500" dirty="0">
+              <a:endParaRPr lang="pt-BR" sz="600" dirty="0">
                 <a:solidFill>
                   <a:schemeClr val="tx1">
                     <a:lumMod val="85000"/>
@@ -4277,7 +4276,7 @@
           <p:spPr>
             <a:xfrm>
               <a:off x="4027258" y="1814652"/>
-              <a:ext cx="606832" cy="135422"/>
+              <a:ext cx="694393" cy="145399"/>
             </a:xfrm>
             <a:prstGeom prst="rect">
               <a:avLst/>
@@ -4290,7 +4289,7 @@
             <a:lstStyle/>
             <a:p>
               <a:r>
-                <a:rPr lang="pt-BR" sz="500" dirty="0" smtClean="0">
+                <a:rPr lang="pt-BR" sz="600" dirty="0" smtClean="0">
                   <a:solidFill>
                     <a:schemeClr val="tx1">
                       <a:lumMod val="85000"/>
@@ -4302,7 +4301,7 @@
                 </a:rPr>
                 <a:t>População Simulada</a:t>
               </a:r>
-              <a:endParaRPr lang="pt-BR" sz="500" dirty="0">
+              <a:endParaRPr lang="pt-BR" sz="600" dirty="0">
                 <a:solidFill>
                   <a:schemeClr val="tx1">
                     <a:lumMod val="85000"/>
@@ -4410,6 +4409,140 @@
           </p:txBody>
         </p:sp>
       </p:grpSp>
+      <p:sp>
+        <p:nvSpPr>
+          <p:cNvPr id="25" name="Retângulo 24"/>
+          <p:cNvSpPr/>
+          <p:nvPr/>
+        </p:nvSpPr>
+        <p:spPr>
+          <a:xfrm>
+            <a:off x="0" y="8749259"/>
+            <a:ext cx="6859588" cy="396334"/>
+          </a:xfrm>
+          <a:prstGeom prst="rect">
+            <a:avLst/>
+          </a:prstGeom>
+          <a:solidFill>
+            <a:srgbClr val="2070B4"/>
+          </a:solidFill>
+          <a:ln>
+            <a:noFill/>
+          </a:ln>
+        </p:spPr>
+        <p:style>
+          <a:lnRef idx="2">
+            <a:schemeClr val="accent1">
+              <a:shade val="50000"/>
+            </a:schemeClr>
+          </a:lnRef>
+          <a:fillRef idx="1">
+            <a:schemeClr val="accent1"/>
+          </a:fillRef>
+          <a:effectRef idx="0">
+            <a:schemeClr val="accent1"/>
+          </a:effectRef>
+          <a:fontRef idx="minor">
+            <a:schemeClr val="lt1"/>
+          </a:fontRef>
+        </p:style>
+        <p:txBody>
+          <a:bodyPr rtlCol="0" anchor="ctr"/>
+          <a:lstStyle/>
+          <a:p>
+            <a:pPr algn="ctr"/>
+            <a:endParaRPr lang="pt-BR"/>
+          </a:p>
+        </p:txBody>
+      </p:sp>
+      <p:sp>
+        <p:nvSpPr>
+          <p:cNvPr id="27" name="Retângulo 26"/>
+          <p:cNvSpPr/>
+          <p:nvPr/>
+        </p:nvSpPr>
+        <p:spPr>
+          <a:xfrm>
+            <a:off x="189434" y="8805920"/>
+            <a:ext cx="1119076" cy="272600"/>
+          </a:xfrm>
+          <a:prstGeom prst="rect">
+            <a:avLst/>
+          </a:prstGeom>
+        </p:spPr>
+        <p:txBody>
+          <a:bodyPr wrap="none" lIns="117564" tIns="58782" rIns="117564" bIns="58782">
+            <a:spAutoFit/>
+          </a:bodyPr>
+          <a:lstStyle/>
+          <a:p>
+            <a:r>
+              <a:rPr lang="pt-BR" sz="1000" b="1" dirty="0" smtClean="0">
+                <a:solidFill>
+                  <a:schemeClr val="bg1"/>
+                </a:solidFill>
+                <a:ea typeface="Roboto Light" pitchFamily="2" charset="0"/>
+              </a:rPr>
+              <a:t>Nº 03 | </a:t>
+            </a:r>
+            <a:r>
+              <a:rPr lang="pt-BR" sz="1000" b="1" dirty="0" smtClean="0">
+                <a:solidFill>
+                  <a:schemeClr val="bg1"/>
+                </a:solidFill>
+                <a:ea typeface="Roboto Light" pitchFamily="2" charset="0"/>
+              </a:rPr>
+              <a:t>17.05.22</a:t>
+            </a:r>
+            <a:endParaRPr lang="pt-BR" sz="1000" b="1" dirty="0">
+              <a:solidFill>
+                <a:schemeClr val="bg1"/>
+              </a:solidFill>
+              <a:ea typeface="Roboto Light" pitchFamily="2" charset="0"/>
+            </a:endParaRPr>
+          </a:p>
+        </p:txBody>
+      </p:sp>
+      <p:sp>
+        <p:nvSpPr>
+          <p:cNvPr id="31" name="Retângulo 30"/>
+          <p:cNvSpPr/>
+          <p:nvPr/>
+        </p:nvSpPr>
+        <p:spPr>
+          <a:xfrm>
+            <a:off x="5681049" y="8805920"/>
+            <a:ext cx="917097" cy="272600"/>
+          </a:xfrm>
+          <a:prstGeom prst="rect">
+            <a:avLst/>
+          </a:prstGeom>
+        </p:spPr>
+        <p:txBody>
+          <a:bodyPr wrap="none" lIns="117564" tIns="58782" rIns="117564" bIns="58782">
+            <a:spAutoFit/>
+          </a:bodyPr>
+          <a:lstStyle/>
+          <a:p>
+            <a:pPr algn="r"/>
+            <a:r>
+              <a:rPr lang="pt-BR" sz="1000" b="1" dirty="0" smtClean="0">
+                <a:solidFill>
+                  <a:schemeClr val="bg1"/>
+                </a:solidFill>
+                <a:ea typeface="Roboto Light" pitchFamily="2" charset="0"/>
+              </a:rPr>
+              <a:t>Ricardo  Reis</a:t>
+            </a:r>
+            <a:endParaRPr lang="pt-BR" sz="1000" b="1" dirty="0">
+              <a:solidFill>
+                <a:schemeClr val="bg1"/>
+              </a:solidFill>
+              <a:ea typeface="Roboto Light" pitchFamily="2" charset="0"/>
+            </a:endParaRPr>
+          </a:p>
+        </p:txBody>
+      </p:sp>
     </p:spTree>
   </p:cSld>
   <p:clrMapOvr>
